--- a/chinese/讚美的孩子最喜樂.pptx
+++ b/chinese/讚美的孩子最喜樂.pptx
@@ -13,7 +13,7 @@
     <p:sldId id="262" r:id="rId7"/>
     <p:sldId id="263" r:id="rId8"/>
   </p:sldIdLst>
-  <p:sldSz cx="9144000" cy="6858000" type="screen4x3"/>
+  <p:sldSz cx="9144000" cy="5143500" type="screen16x9"/>
   <p:notesSz cx="6858000" cy="9144000"/>
   <p:defaultTextStyle>
     <a:defPPr>
@@ -142,8 +142,8 @@
         </p:nvSpPr>
         <p:spPr>
           <a:xfrm>
-            <a:off x="685800" y="2130425"/>
-            <a:ext cx="7772400" cy="1470025"/>
+            <a:off x="685800" y="1597819"/>
+            <a:ext cx="7772400" cy="1102519"/>
           </a:xfrm>
         </p:spPr>
         <p:txBody>
@@ -170,8 +170,8 @@
         </p:nvSpPr>
         <p:spPr>
           <a:xfrm>
-            <a:off x="1371600" y="3886200"/>
-            <a:ext cx="6400800" cy="1752600"/>
+            <a:off x="1371600" y="2914650"/>
+            <a:ext cx="6400800" cy="1314450"/>
           </a:xfrm>
         </p:spPr>
         <p:txBody>
@@ -295,7 +295,7 @@
             <a:fld id="{E1CB4670-6345-42D3-BAE9-361E2BC9861D}" type="datetimeFigureOut">
               <a:rPr lang="zh-TW" altLang="en-US" smtClean="0"/>
               <a:pPr/>
-              <a:t>2018/8/15</a:t>
+              <a:t>2020/6/12</a:t>
             </a:fld>
             <a:endParaRPr lang="zh-TW" altLang="en-US"/>
           </a:p>
@@ -347,7 +347,7 @@
     </p:spTree>
     <p:extLst>
       <p:ext uri="{BB962C8B-B14F-4D97-AF65-F5344CB8AC3E}">
-        <p14:creationId xmlns:p14="http://schemas.microsoft.com/office/powerpoint/2010/main" xmlns="" val="2703807384"/>
+        <p14:creationId xmlns="" xmlns:p14="http://schemas.microsoft.com/office/powerpoint/2010/main" val="2703807384"/>
       </p:ext>
     </p:extLst>
   </p:cSld>
@@ -467,7 +467,7 @@
             <a:fld id="{E1CB4670-6345-42D3-BAE9-361E2BC9861D}" type="datetimeFigureOut">
               <a:rPr lang="zh-TW" altLang="en-US" smtClean="0"/>
               <a:pPr/>
-              <a:t>2018/8/15</a:t>
+              <a:t>2020/6/12</a:t>
             </a:fld>
             <a:endParaRPr lang="zh-TW" altLang="en-US"/>
           </a:p>
@@ -519,7 +519,7 @@
     </p:spTree>
     <p:extLst>
       <p:ext uri="{BB962C8B-B14F-4D97-AF65-F5344CB8AC3E}">
-        <p14:creationId xmlns:p14="http://schemas.microsoft.com/office/powerpoint/2010/main" xmlns="" val="3766145432"/>
+        <p14:creationId xmlns="" xmlns:p14="http://schemas.microsoft.com/office/powerpoint/2010/main" val="3766145432"/>
       </p:ext>
     </p:extLst>
   </p:cSld>
@@ -558,8 +558,8 @@
         </p:nvSpPr>
         <p:spPr>
           <a:xfrm>
-            <a:off x="6629400" y="274638"/>
-            <a:ext cx="2057400" cy="5851525"/>
+            <a:off x="6629400" y="205979"/>
+            <a:ext cx="2057400" cy="4388644"/>
           </a:xfrm>
         </p:spPr>
         <p:txBody>
@@ -586,8 +586,8 @@
         </p:nvSpPr>
         <p:spPr>
           <a:xfrm>
-            <a:off x="457200" y="274638"/>
-            <a:ext cx="6019800" cy="5851525"/>
+            <a:off x="457200" y="205979"/>
+            <a:ext cx="6019800" cy="4388644"/>
           </a:xfrm>
         </p:spPr>
         <p:txBody>
@@ -649,7 +649,7 @@
             <a:fld id="{E1CB4670-6345-42D3-BAE9-361E2BC9861D}" type="datetimeFigureOut">
               <a:rPr lang="zh-TW" altLang="en-US" smtClean="0"/>
               <a:pPr/>
-              <a:t>2018/8/15</a:t>
+              <a:t>2020/6/12</a:t>
             </a:fld>
             <a:endParaRPr lang="zh-TW" altLang="en-US"/>
           </a:p>
@@ -701,7 +701,7 @@
     </p:spTree>
     <p:extLst>
       <p:ext uri="{BB962C8B-B14F-4D97-AF65-F5344CB8AC3E}">
-        <p14:creationId xmlns:p14="http://schemas.microsoft.com/office/powerpoint/2010/main" xmlns="" val="960077550"/>
+        <p14:creationId xmlns="" xmlns:p14="http://schemas.microsoft.com/office/powerpoint/2010/main" val="960077550"/>
       </p:ext>
     </p:extLst>
   </p:cSld>
@@ -821,7 +821,7 @@
             <a:fld id="{E1CB4670-6345-42D3-BAE9-361E2BC9861D}" type="datetimeFigureOut">
               <a:rPr lang="zh-TW" altLang="en-US" smtClean="0"/>
               <a:pPr/>
-              <a:t>2018/8/15</a:t>
+              <a:t>2020/6/12</a:t>
             </a:fld>
             <a:endParaRPr lang="zh-TW" altLang="en-US"/>
           </a:p>
@@ -873,7 +873,7 @@
     </p:spTree>
     <p:extLst>
       <p:ext uri="{BB962C8B-B14F-4D97-AF65-F5344CB8AC3E}">
-        <p14:creationId xmlns:p14="http://schemas.microsoft.com/office/powerpoint/2010/main" xmlns="" val="2934765483"/>
+        <p14:creationId xmlns="" xmlns:p14="http://schemas.microsoft.com/office/powerpoint/2010/main" val="2934765483"/>
       </p:ext>
     </p:extLst>
   </p:cSld>
@@ -912,8 +912,8 @@
         </p:nvSpPr>
         <p:spPr>
           <a:xfrm>
-            <a:off x="722313" y="4406900"/>
-            <a:ext cx="7772400" cy="1362075"/>
+            <a:off x="722313" y="3305176"/>
+            <a:ext cx="7772400" cy="1021556"/>
           </a:xfrm>
         </p:spPr>
         <p:txBody>
@@ -944,8 +944,8 @@
         </p:nvSpPr>
         <p:spPr>
           <a:xfrm>
-            <a:off x="722313" y="2906713"/>
-            <a:ext cx="7772400" cy="1500187"/>
+            <a:off x="722313" y="2180035"/>
+            <a:ext cx="7772400" cy="1125140"/>
           </a:xfrm>
         </p:spPr>
         <p:txBody>
@@ -1069,7 +1069,7 @@
             <a:fld id="{E1CB4670-6345-42D3-BAE9-361E2BC9861D}" type="datetimeFigureOut">
               <a:rPr lang="zh-TW" altLang="en-US" smtClean="0"/>
               <a:pPr/>
-              <a:t>2018/8/15</a:t>
+              <a:t>2020/6/12</a:t>
             </a:fld>
             <a:endParaRPr lang="zh-TW" altLang="en-US"/>
           </a:p>
@@ -1121,7 +1121,7 @@
     </p:spTree>
     <p:extLst>
       <p:ext uri="{BB962C8B-B14F-4D97-AF65-F5344CB8AC3E}">
-        <p14:creationId xmlns:p14="http://schemas.microsoft.com/office/powerpoint/2010/main" xmlns="" val="4041366964"/>
+        <p14:creationId xmlns="" xmlns:p14="http://schemas.microsoft.com/office/powerpoint/2010/main" val="4041366964"/>
       </p:ext>
     </p:extLst>
   </p:cSld>
@@ -1183,8 +1183,8 @@
         </p:nvSpPr>
         <p:spPr>
           <a:xfrm>
-            <a:off x="457200" y="1600200"/>
-            <a:ext cx="4038600" cy="4525963"/>
+            <a:off x="457200" y="1200151"/>
+            <a:ext cx="4038600" cy="3394472"/>
           </a:xfrm>
         </p:spPr>
         <p:txBody>
@@ -1268,8 +1268,8 @@
         </p:nvSpPr>
         <p:spPr>
           <a:xfrm>
-            <a:off x="4648200" y="1600200"/>
-            <a:ext cx="4038600" cy="4525963"/>
+            <a:off x="4648200" y="1200151"/>
+            <a:ext cx="4038600" cy="3394472"/>
           </a:xfrm>
         </p:spPr>
         <p:txBody>
@@ -1359,7 +1359,7 @@
             <a:fld id="{E1CB4670-6345-42D3-BAE9-361E2BC9861D}" type="datetimeFigureOut">
               <a:rPr lang="zh-TW" altLang="en-US" smtClean="0"/>
               <a:pPr/>
-              <a:t>2018/8/15</a:t>
+              <a:t>2020/6/12</a:t>
             </a:fld>
             <a:endParaRPr lang="zh-TW" altLang="en-US"/>
           </a:p>
@@ -1411,7 +1411,7 @@
     </p:spTree>
     <p:extLst>
       <p:ext uri="{BB962C8B-B14F-4D97-AF65-F5344CB8AC3E}">
-        <p14:creationId xmlns:p14="http://schemas.microsoft.com/office/powerpoint/2010/main" xmlns="" val="3435654445"/>
+        <p14:creationId xmlns="" xmlns:p14="http://schemas.microsoft.com/office/powerpoint/2010/main" val="3435654445"/>
       </p:ext>
     </p:extLst>
   </p:cSld>
@@ -1477,8 +1477,8 @@
         </p:nvSpPr>
         <p:spPr>
           <a:xfrm>
-            <a:off x="457200" y="1535113"/>
-            <a:ext cx="4040188" cy="639762"/>
+            <a:off x="457200" y="1151335"/>
+            <a:ext cx="4040188" cy="479822"/>
           </a:xfrm>
         </p:spPr>
         <p:txBody>
@@ -1542,8 +1542,8 @@
         </p:nvSpPr>
         <p:spPr>
           <a:xfrm>
-            <a:off x="457200" y="2174875"/>
-            <a:ext cx="4040188" cy="3951288"/>
+            <a:off x="457200" y="1631156"/>
+            <a:ext cx="4040188" cy="2963466"/>
           </a:xfrm>
         </p:spPr>
         <p:txBody>
@@ -1627,8 +1627,8 @@
         </p:nvSpPr>
         <p:spPr>
           <a:xfrm>
-            <a:off x="4645025" y="1535113"/>
-            <a:ext cx="4041775" cy="639762"/>
+            <a:off x="4645026" y="1151335"/>
+            <a:ext cx="4041775" cy="479822"/>
           </a:xfrm>
         </p:spPr>
         <p:txBody>
@@ -1692,8 +1692,8 @@
         </p:nvSpPr>
         <p:spPr>
           <a:xfrm>
-            <a:off x="4645025" y="2174875"/>
-            <a:ext cx="4041775" cy="3951288"/>
+            <a:off x="4645026" y="1631156"/>
+            <a:ext cx="4041775" cy="2963466"/>
           </a:xfrm>
         </p:spPr>
         <p:txBody>
@@ -1783,7 +1783,7 @@
             <a:fld id="{E1CB4670-6345-42D3-BAE9-361E2BC9861D}" type="datetimeFigureOut">
               <a:rPr lang="zh-TW" altLang="en-US" smtClean="0"/>
               <a:pPr/>
-              <a:t>2018/8/15</a:t>
+              <a:t>2020/6/12</a:t>
             </a:fld>
             <a:endParaRPr lang="zh-TW" altLang="en-US"/>
           </a:p>
@@ -1835,7 +1835,7 @@
     </p:spTree>
     <p:extLst>
       <p:ext uri="{BB962C8B-B14F-4D97-AF65-F5344CB8AC3E}">
-        <p14:creationId xmlns:p14="http://schemas.microsoft.com/office/powerpoint/2010/main" xmlns="" val="693630020"/>
+        <p14:creationId xmlns="" xmlns:p14="http://schemas.microsoft.com/office/powerpoint/2010/main" val="693630020"/>
       </p:ext>
     </p:extLst>
   </p:cSld>
@@ -1903,7 +1903,7 @@
             <a:fld id="{E1CB4670-6345-42D3-BAE9-361E2BC9861D}" type="datetimeFigureOut">
               <a:rPr lang="zh-TW" altLang="en-US" smtClean="0"/>
               <a:pPr/>
-              <a:t>2018/8/15</a:t>
+              <a:t>2020/6/12</a:t>
             </a:fld>
             <a:endParaRPr lang="zh-TW" altLang="en-US"/>
           </a:p>
@@ -1955,7 +1955,7 @@
     </p:spTree>
     <p:extLst>
       <p:ext uri="{BB962C8B-B14F-4D97-AF65-F5344CB8AC3E}">
-        <p14:creationId xmlns:p14="http://schemas.microsoft.com/office/powerpoint/2010/main" xmlns="" val="1103284692"/>
+        <p14:creationId xmlns="" xmlns:p14="http://schemas.microsoft.com/office/powerpoint/2010/main" val="1103284692"/>
       </p:ext>
     </p:extLst>
   </p:cSld>
@@ -2000,7 +2000,7 @@
             <a:fld id="{E1CB4670-6345-42D3-BAE9-361E2BC9861D}" type="datetimeFigureOut">
               <a:rPr lang="zh-TW" altLang="en-US" smtClean="0"/>
               <a:pPr/>
-              <a:t>2018/8/15</a:t>
+              <a:t>2020/6/12</a:t>
             </a:fld>
             <a:endParaRPr lang="zh-TW" altLang="en-US"/>
           </a:p>
@@ -2052,7 +2052,7 @@
     </p:spTree>
     <p:extLst>
       <p:ext uri="{BB962C8B-B14F-4D97-AF65-F5344CB8AC3E}">
-        <p14:creationId xmlns:p14="http://schemas.microsoft.com/office/powerpoint/2010/main" xmlns="" val="618791207"/>
+        <p14:creationId xmlns="" xmlns:p14="http://schemas.microsoft.com/office/powerpoint/2010/main" val="618791207"/>
       </p:ext>
     </p:extLst>
   </p:cSld>
@@ -2091,8 +2091,8 @@
         </p:nvSpPr>
         <p:spPr>
           <a:xfrm>
-            <a:off x="457200" y="273050"/>
-            <a:ext cx="3008313" cy="1162050"/>
+            <a:off x="457201" y="204787"/>
+            <a:ext cx="3008313" cy="871538"/>
           </a:xfrm>
         </p:spPr>
         <p:txBody>
@@ -2123,8 +2123,8 @@
         </p:nvSpPr>
         <p:spPr>
           <a:xfrm>
-            <a:off x="3575050" y="273050"/>
-            <a:ext cx="5111750" cy="5853113"/>
+            <a:off x="3575050" y="204788"/>
+            <a:ext cx="5111750" cy="4389835"/>
           </a:xfrm>
         </p:spPr>
         <p:txBody>
@@ -2208,8 +2208,8 @@
         </p:nvSpPr>
         <p:spPr>
           <a:xfrm>
-            <a:off x="457200" y="1435100"/>
-            <a:ext cx="3008313" cy="4691063"/>
+            <a:off x="457201" y="1076326"/>
+            <a:ext cx="3008313" cy="3518297"/>
           </a:xfrm>
         </p:spPr>
         <p:txBody>
@@ -2279,7 +2279,7 @@
             <a:fld id="{E1CB4670-6345-42D3-BAE9-361E2BC9861D}" type="datetimeFigureOut">
               <a:rPr lang="zh-TW" altLang="en-US" smtClean="0"/>
               <a:pPr/>
-              <a:t>2018/8/15</a:t>
+              <a:t>2020/6/12</a:t>
             </a:fld>
             <a:endParaRPr lang="zh-TW" altLang="en-US"/>
           </a:p>
@@ -2331,7 +2331,7 @@
     </p:spTree>
     <p:extLst>
       <p:ext uri="{BB962C8B-B14F-4D97-AF65-F5344CB8AC3E}">
-        <p14:creationId xmlns:p14="http://schemas.microsoft.com/office/powerpoint/2010/main" xmlns="" val="3024207811"/>
+        <p14:creationId xmlns="" xmlns:p14="http://schemas.microsoft.com/office/powerpoint/2010/main" val="3024207811"/>
       </p:ext>
     </p:extLst>
   </p:cSld>
@@ -2370,8 +2370,8 @@
         </p:nvSpPr>
         <p:spPr>
           <a:xfrm>
-            <a:off x="1792288" y="4800600"/>
-            <a:ext cx="5486400" cy="566738"/>
+            <a:off x="1792288" y="3600450"/>
+            <a:ext cx="5486400" cy="425054"/>
           </a:xfrm>
         </p:spPr>
         <p:txBody>
@@ -2402,8 +2402,8 @@
         </p:nvSpPr>
         <p:spPr>
           <a:xfrm>
-            <a:off x="1792288" y="612775"/>
-            <a:ext cx="5486400" cy="4114800"/>
+            <a:off x="1792288" y="459581"/>
+            <a:ext cx="5486400" cy="3086100"/>
           </a:xfrm>
         </p:spPr>
         <p:txBody>
@@ -2463,8 +2463,8 @@
         </p:nvSpPr>
         <p:spPr>
           <a:xfrm>
-            <a:off x="1792288" y="5367338"/>
-            <a:ext cx="5486400" cy="804862"/>
+            <a:off x="1792288" y="4025503"/>
+            <a:ext cx="5486400" cy="603647"/>
           </a:xfrm>
         </p:spPr>
         <p:txBody>
@@ -2534,7 +2534,7 @@
             <a:fld id="{E1CB4670-6345-42D3-BAE9-361E2BC9861D}" type="datetimeFigureOut">
               <a:rPr lang="zh-TW" altLang="en-US" smtClean="0"/>
               <a:pPr/>
-              <a:t>2018/8/15</a:t>
+              <a:t>2020/6/12</a:t>
             </a:fld>
             <a:endParaRPr lang="zh-TW" altLang="en-US"/>
           </a:p>
@@ -2586,7 +2586,7 @@
     </p:spTree>
     <p:extLst>
       <p:ext uri="{BB962C8B-B14F-4D97-AF65-F5344CB8AC3E}">
-        <p14:creationId xmlns:p14="http://schemas.microsoft.com/office/powerpoint/2010/main" xmlns="" val="3792842572"/>
+        <p14:creationId xmlns="" xmlns:p14="http://schemas.microsoft.com/office/powerpoint/2010/main" val="3792842572"/>
       </p:ext>
     </p:extLst>
   </p:cSld>
@@ -2630,8 +2630,8 @@
         </p:nvSpPr>
         <p:spPr>
           <a:xfrm>
-            <a:off x="457200" y="274638"/>
-            <a:ext cx="8229600" cy="1143000"/>
+            <a:off x="457200" y="205978"/>
+            <a:ext cx="8229600" cy="857250"/>
           </a:xfrm>
           <a:prstGeom prst="rect">
             <a:avLst/>
@@ -2663,8 +2663,8 @@
         </p:nvSpPr>
         <p:spPr>
           <a:xfrm>
-            <a:off x="457200" y="1600200"/>
-            <a:ext cx="8229600" cy="4525963"/>
+            <a:off x="457200" y="1200151"/>
+            <a:ext cx="8229600" cy="3394472"/>
           </a:xfrm>
           <a:prstGeom prst="rect">
             <a:avLst/>
@@ -2725,8 +2725,8 @@
         </p:nvSpPr>
         <p:spPr>
           <a:xfrm>
-            <a:off x="457200" y="6356350"/>
-            <a:ext cx="2133600" cy="365125"/>
+            <a:off x="457200" y="4767263"/>
+            <a:ext cx="2133600" cy="273844"/>
           </a:xfrm>
           <a:prstGeom prst="rect">
             <a:avLst/>
@@ -2749,7 +2749,7 @@
             <a:fld id="{E1CB4670-6345-42D3-BAE9-361E2BC9861D}" type="datetimeFigureOut">
               <a:rPr lang="zh-TW" altLang="en-US" smtClean="0"/>
               <a:pPr/>
-              <a:t>2018/8/15</a:t>
+              <a:t>2020/6/12</a:t>
             </a:fld>
             <a:endParaRPr lang="zh-TW" altLang="en-US"/>
           </a:p>
@@ -2767,8 +2767,8 @@
         </p:nvSpPr>
         <p:spPr>
           <a:xfrm>
-            <a:off x="3124200" y="6356350"/>
-            <a:ext cx="2895600" cy="365125"/>
+            <a:off x="3124200" y="4767263"/>
+            <a:ext cx="2895600" cy="273844"/>
           </a:xfrm>
           <a:prstGeom prst="rect">
             <a:avLst/>
@@ -2804,8 +2804,8 @@
         </p:nvSpPr>
         <p:spPr>
           <a:xfrm>
-            <a:off x="6553200" y="6356350"/>
-            <a:ext cx="2133600" cy="365125"/>
+            <a:off x="6553200" y="4767263"/>
+            <a:ext cx="2133600" cy="273844"/>
           </a:xfrm>
           <a:prstGeom prst="rect">
             <a:avLst/>
@@ -2837,7 +2837,7 @@
     </p:spTree>
     <p:extLst>
       <p:ext uri="{BB962C8B-B14F-4D97-AF65-F5344CB8AC3E}">
-        <p14:creationId xmlns:p14="http://schemas.microsoft.com/office/powerpoint/2010/main" xmlns="" val="3704272354"/>
+        <p14:creationId xmlns="" xmlns:p14="http://schemas.microsoft.com/office/powerpoint/2010/main" val="3704272354"/>
       </p:ext>
     </p:extLst>
   </p:cSld>
@@ -3137,7 +3137,7 @@
           <a:blip r:embed="rId2">
             <a:extLst>
               <a:ext uri="{28A0092B-C50C-407E-A947-70E740481C1C}">
-                <a14:useLocalDpi xmlns:a14="http://schemas.microsoft.com/office/drawing/2010/main" xmlns="" val="0"/>
+                <a14:useLocalDpi xmlns="" xmlns:a14="http://schemas.microsoft.com/office/drawing/2010/main" val="0"/>
               </a:ext>
             </a:extLst>
           </a:blip>
@@ -3148,8 +3148,8 @@
         </p:blipFill>
         <p:spPr bwMode="auto">
           <a:xfrm>
-            <a:off x="-32594" y="-27384"/>
-            <a:ext cx="9201282" cy="6858000"/>
+            <a:off x="-32594" y="-20538"/>
+            <a:ext cx="9201282" cy="5143500"/>
           </a:xfrm>
           <a:prstGeom prst="rect">
             <a:avLst/>
@@ -3157,7 +3157,7 @@
           <a:noFill/>
           <a:extLst>
             <a:ext uri="{909E8E84-426E-40DD-AFC4-6F175D3DCCD1}">
-              <a14:hiddenFill xmlns:a14="http://schemas.microsoft.com/office/drawing/2010/main" xmlns="">
+              <a14:hiddenFill xmlns="" xmlns:a14="http://schemas.microsoft.com/office/drawing/2010/main">
                 <a:solidFill>
                   <a:srgbClr val="FFFFFF"/>
                 </a:solidFill>
@@ -3178,8 +3178,8 @@
         </p:nvSpPr>
         <p:spPr>
           <a:xfrm>
-            <a:off x="681847" y="404664"/>
-            <a:ext cx="7772400" cy="1470025"/>
+            <a:off x="681847" y="303498"/>
+            <a:ext cx="7772400" cy="1102519"/>
           </a:xfrm>
         </p:spPr>
         <p:txBody>
@@ -3379,7 +3379,7 @@
     </p:spTree>
     <p:extLst>
       <p:ext uri="{BB962C8B-B14F-4D97-AF65-F5344CB8AC3E}">
-        <p14:creationId xmlns:p14="http://schemas.microsoft.com/office/powerpoint/2010/main" xmlns="" val="885852705"/>
+        <p14:creationId xmlns="" xmlns:p14="http://schemas.microsoft.com/office/powerpoint/2010/main" val="885852705"/>
       </p:ext>
     </p:extLst>
   </p:cSld>
@@ -3425,7 +3425,7 @@
           <a:blip r:embed="rId2">
             <a:extLst>
               <a:ext uri="{28A0092B-C50C-407E-A947-70E740481C1C}">
-                <a14:useLocalDpi xmlns:a14="http://schemas.microsoft.com/office/drawing/2010/main" xmlns="" val="0"/>
+                <a14:useLocalDpi xmlns="" xmlns:a14="http://schemas.microsoft.com/office/drawing/2010/main" val="0"/>
               </a:ext>
             </a:extLst>
           </a:blip>
@@ -3436,8 +3436,8 @@
         </p:blipFill>
         <p:spPr bwMode="auto">
           <a:xfrm>
-            <a:off x="-17687" y="-27384"/>
-            <a:ext cx="9175785" cy="6885384"/>
+            <a:off x="-17686" y="-20538"/>
+            <a:ext cx="9175785" cy="5164038"/>
           </a:xfrm>
           <a:prstGeom prst="rect">
             <a:avLst/>
@@ -3445,7 +3445,7 @@
           <a:noFill/>
           <a:extLst>
             <a:ext uri="{909E8E84-426E-40DD-AFC4-6F175D3DCCD1}">
-              <a14:hiddenFill xmlns:a14="http://schemas.microsoft.com/office/drawing/2010/main" xmlns="">
+              <a14:hiddenFill xmlns="" xmlns:a14="http://schemas.microsoft.com/office/drawing/2010/main">
                 <a:solidFill>
                   <a:srgbClr val="FFFFFF"/>
                 </a:solidFill>
@@ -3466,8 +3466,8 @@
         </p:nvSpPr>
         <p:spPr>
           <a:xfrm>
-            <a:off x="395536" y="432048"/>
-            <a:ext cx="8507288" cy="6165304"/>
+            <a:off x="395536" y="324036"/>
+            <a:ext cx="8507288" cy="4623978"/>
           </a:xfrm>
         </p:spPr>
         <p:txBody>
@@ -3480,7 +3480,7 @@
               <a:buNone/>
             </a:pPr>
             <a:r>
-              <a:rPr lang="zh-TW" altLang="en-US" sz="4800" b="1" dirty="0" smtClean="0">
+              <a:rPr lang="zh-TW" altLang="en-US" sz="4000" b="1" dirty="0" smtClean="0">
                 <a:solidFill>
                   <a:srgbClr val="0070C0"/>
                 </a:solidFill>
@@ -3488,7 +3488,7 @@
               <a:t>天</a:t>
             </a:r>
             <a:r>
-              <a:rPr lang="zh-TW" altLang="en-US" sz="4800" b="1" dirty="0">
+              <a:rPr lang="zh-TW" altLang="en-US" sz="4000" b="1" dirty="0">
                 <a:solidFill>
                   <a:srgbClr val="0070C0"/>
                 </a:solidFill>
@@ -3496,14 +3496,14 @@
               <a:t>父爸爸祢愛</a:t>
             </a:r>
             <a:r>
-              <a:rPr lang="zh-TW" altLang="en-US" sz="4800" b="1" dirty="0" smtClean="0">
+              <a:rPr lang="zh-TW" altLang="en-US" sz="4000" b="1" dirty="0" smtClean="0">
                 <a:solidFill>
                   <a:srgbClr val="0070C0"/>
                 </a:solidFill>
               </a:rPr>
               <a:t>我</a:t>
             </a:r>
-            <a:endParaRPr lang="en-US" altLang="zh-TW" sz="4800" b="1" dirty="0" smtClean="0">
+            <a:endParaRPr lang="en-US" altLang="zh-TW" sz="4000" b="1" dirty="0" smtClean="0">
               <a:solidFill>
                 <a:srgbClr val="0070C0"/>
               </a:solidFill>
@@ -3514,66 +3514,66 @@
               <a:buNone/>
             </a:pPr>
             <a:r>
-              <a:rPr lang="en-US" altLang="zh-TW" sz="4000" dirty="0" err="1"/>
+              <a:rPr lang="en-US" altLang="zh-TW" dirty="0" err="1"/>
               <a:t>Tiān</a:t>
             </a:r>
             <a:r>
-              <a:rPr lang="en-US" altLang="zh-TW" sz="4000" dirty="0"/>
-              <a:t> </a:t>
-            </a:r>
-            <a:r>
-              <a:rPr lang="en-US" altLang="zh-TW" sz="4000" dirty="0" err="1"/>
+              <a:rPr lang="en-US" altLang="zh-TW" dirty="0"/>
+              <a:t> </a:t>
+            </a:r>
+            <a:r>
+              <a:rPr lang="en-US" altLang="zh-TW" dirty="0" err="1"/>
               <a:t>fù</a:t>
             </a:r>
             <a:r>
-              <a:rPr lang="en-US" altLang="zh-TW" sz="4000" dirty="0"/>
-              <a:t> </a:t>
-            </a:r>
-            <a:r>
-              <a:rPr lang="en-US" altLang="zh-TW" sz="4000" dirty="0" err="1" smtClean="0"/>
+              <a:rPr lang="en-US" altLang="zh-TW" dirty="0"/>
+              <a:t> </a:t>
+            </a:r>
+            <a:r>
+              <a:rPr lang="en-US" altLang="zh-TW" dirty="0" err="1" smtClean="0"/>
               <a:t>bà</a:t>
             </a:r>
             <a:r>
+              <a:rPr lang="en-US" altLang="zh-TW" dirty="0" smtClean="0"/>
+              <a:t> </a:t>
+            </a:r>
+            <a:r>
+              <a:rPr lang="en-US" altLang="zh-TW" dirty="0" err="1" smtClean="0"/>
+              <a:t>ba</a:t>
+            </a:r>
+            <a:r>
+              <a:rPr lang="en-US" altLang="zh-TW" dirty="0" smtClean="0"/>
+              <a:t> </a:t>
+            </a:r>
+            <a:r>
+              <a:rPr lang="en-US" altLang="zh-TW" dirty="0" err="1" smtClean="0"/>
+              <a:t>nǐ</a:t>
+            </a:r>
+            <a:r>
+              <a:rPr lang="en-US" altLang="zh-TW" dirty="0" smtClean="0"/>
+              <a:t> </a:t>
+            </a:r>
+            <a:r>
+              <a:rPr lang="en-US" altLang="zh-TW" dirty="0" err="1"/>
+              <a:t>ài</a:t>
+            </a:r>
+            <a:r>
+              <a:rPr lang="en-US" altLang="zh-TW" dirty="0"/>
+              <a:t> </a:t>
+            </a:r>
+            <a:r>
+              <a:rPr lang="en-US" altLang="zh-TW" dirty="0" err="1"/>
+              <a:t>wǒ</a:t>
+            </a:r>
+            <a:r>
               <a:rPr lang="en-US" altLang="zh-TW" sz="4000" dirty="0" smtClean="0"/>
-              <a:t> </a:t>
-            </a:r>
-            <a:r>
-              <a:rPr lang="en-US" altLang="zh-TW" sz="4000" dirty="0" err="1" smtClean="0"/>
-              <a:t>ba</a:t>
-            </a:r>
-            <a:r>
+              <a:t/>
+            </a:r>
+            <a:br>
               <a:rPr lang="en-US" altLang="zh-TW" sz="4000" dirty="0" smtClean="0"/>
-              <a:t> </a:t>
-            </a:r>
-            <a:r>
-              <a:rPr lang="en-US" altLang="zh-TW" sz="4000" dirty="0" err="1" smtClean="0"/>
-              <a:t>nǐ</a:t>
-            </a:r>
-            <a:r>
-              <a:rPr lang="en-US" altLang="zh-TW" sz="4000" dirty="0" smtClean="0"/>
-              <a:t> </a:t>
-            </a:r>
-            <a:r>
-              <a:rPr lang="en-US" altLang="zh-TW" sz="4000" dirty="0" err="1"/>
-              <a:t>ài</a:t>
-            </a:r>
-            <a:r>
-              <a:rPr lang="en-US" altLang="zh-TW" sz="4000" dirty="0"/>
-              <a:t> </a:t>
-            </a:r>
-            <a:r>
-              <a:rPr lang="en-US" altLang="zh-TW" sz="4000" dirty="0" err="1"/>
-              <a:t>wǒ</a:t>
-            </a:r>
-            <a:r>
-              <a:rPr lang="en-US" altLang="zh-TW" sz="4800" dirty="0" smtClean="0"/>
-              <a:t/>
-            </a:r>
-            <a:br>
-              <a:rPr lang="en-US" altLang="zh-TW" sz="4800" dirty="0" smtClean="0"/>
             </a:br>
             <a:r>
-              <a:rPr lang="zh-TW" altLang="en-US" sz="4800" b="1" dirty="0" smtClean="0">
+              <a:rPr lang="zh-TW" altLang="en-US" sz="4000" b="1" dirty="0" smtClean="0">
                 <a:solidFill>
                   <a:srgbClr val="0070C0"/>
                 </a:solidFill>
@@ -3581,7 +3581,7 @@
               <a:t>我</a:t>
             </a:r>
             <a:r>
-              <a:rPr lang="zh-TW" altLang="en-US" sz="4800" b="1" dirty="0">
+              <a:rPr lang="zh-TW" altLang="en-US" sz="4000" b="1" dirty="0">
                 <a:solidFill>
                   <a:srgbClr val="0070C0"/>
                 </a:solidFill>
@@ -3589,14 +3589,14 @@
               <a:t>要天天讚美</a:t>
             </a:r>
             <a:r>
-              <a:rPr lang="zh-TW" altLang="en-US" sz="4800" b="1" dirty="0" smtClean="0">
+              <a:rPr lang="zh-TW" altLang="en-US" sz="4000" b="1" dirty="0" smtClean="0">
                 <a:solidFill>
                   <a:srgbClr val="0070C0"/>
                 </a:solidFill>
               </a:rPr>
               <a:t>祢</a:t>
             </a:r>
-            <a:endParaRPr lang="en-US" altLang="zh-TW" sz="4800" b="1" dirty="0" smtClean="0">
+            <a:endParaRPr lang="en-US" altLang="zh-TW" sz="4000" b="1" dirty="0" smtClean="0">
               <a:solidFill>
                 <a:srgbClr val="0070C0"/>
               </a:solidFill>
@@ -3607,66 +3607,66 @@
               <a:buNone/>
             </a:pPr>
             <a:r>
-              <a:rPr lang="en-US" altLang="zh-TW" dirty="0" err="1" smtClean="0"/>
+              <a:rPr lang="en-US" altLang="zh-TW" sz="2400" dirty="0" err="1" smtClean="0"/>
               <a:t>wǒ</a:t>
             </a:r>
             <a:r>
-              <a:rPr lang="en-US" altLang="zh-TW" dirty="0" smtClean="0"/>
-              <a:t> </a:t>
-            </a:r>
-            <a:r>
-              <a:rPr lang="en-US" altLang="zh-TW" dirty="0" err="1" smtClean="0"/>
+              <a:rPr lang="en-US" altLang="zh-TW" sz="2400" dirty="0" smtClean="0"/>
+              <a:t> </a:t>
+            </a:r>
+            <a:r>
+              <a:rPr lang="en-US" altLang="zh-TW" sz="2400" dirty="0" err="1" smtClean="0"/>
               <a:t>yào</a:t>
             </a:r>
             <a:r>
-              <a:rPr lang="en-US" altLang="zh-TW" dirty="0" smtClean="0"/>
-              <a:t> </a:t>
-            </a:r>
-            <a:r>
-              <a:rPr lang="en-US" altLang="zh-TW" dirty="0" err="1" smtClean="0"/>
+              <a:rPr lang="en-US" altLang="zh-TW" sz="2400" dirty="0" smtClean="0"/>
+              <a:t> </a:t>
+            </a:r>
+            <a:r>
+              <a:rPr lang="en-US" altLang="zh-TW" sz="2400" dirty="0" err="1" smtClean="0"/>
               <a:t>tiān</a:t>
             </a:r>
             <a:r>
-              <a:rPr lang="en-US" altLang="zh-TW" dirty="0" smtClean="0"/>
-              <a:t> </a:t>
-            </a:r>
-            <a:r>
-              <a:rPr lang="en-US" altLang="zh-TW" dirty="0" err="1" smtClean="0"/>
+              <a:rPr lang="en-US" altLang="zh-TW" sz="2400" dirty="0" smtClean="0"/>
+              <a:t> </a:t>
+            </a:r>
+            <a:r>
+              <a:rPr lang="en-US" altLang="zh-TW" sz="2400" dirty="0" err="1" smtClean="0"/>
               <a:t>tiān</a:t>
             </a:r>
             <a:r>
-              <a:rPr lang="en-US" altLang="zh-TW" dirty="0" smtClean="0"/>
-              <a:t> </a:t>
-            </a:r>
-            <a:r>
-              <a:rPr lang="en-US" altLang="zh-TW" dirty="0" err="1" smtClean="0"/>
+              <a:rPr lang="en-US" altLang="zh-TW" sz="2400" dirty="0" smtClean="0"/>
+              <a:t> </a:t>
+            </a:r>
+            <a:r>
+              <a:rPr lang="en-US" altLang="zh-TW" sz="2400" dirty="0" err="1" smtClean="0"/>
               <a:t>zàn</a:t>
             </a:r>
             <a:r>
-              <a:rPr lang="en-US" altLang="zh-TW" dirty="0" smtClean="0"/>
-              <a:t> </a:t>
-            </a:r>
-            <a:r>
-              <a:rPr lang="en-US" altLang="zh-TW" dirty="0" err="1" smtClean="0"/>
+              <a:rPr lang="en-US" altLang="zh-TW" sz="2400" dirty="0" smtClean="0"/>
+              <a:t> </a:t>
+            </a:r>
+            <a:r>
+              <a:rPr lang="en-US" altLang="zh-TW" sz="2400" dirty="0" err="1" smtClean="0"/>
               <a:t>měi</a:t>
             </a:r>
             <a:r>
-              <a:rPr lang="en-US" altLang="zh-TW" dirty="0" smtClean="0"/>
-              <a:t> </a:t>
-            </a:r>
-            <a:r>
-              <a:rPr lang="en-US" altLang="zh-TW" dirty="0" err="1" smtClean="0"/>
+              <a:rPr lang="en-US" altLang="zh-TW" sz="2400" dirty="0" smtClean="0"/>
+              <a:t> </a:t>
+            </a:r>
+            <a:r>
+              <a:rPr lang="en-US" altLang="zh-TW" sz="2400" dirty="0" err="1" smtClean="0"/>
               <a:t>nǐ</a:t>
             </a:r>
             <a:r>
-              <a:rPr lang="en-US" altLang="zh-TW" sz="4800" dirty="0" smtClean="0"/>
+              <a:rPr lang="en-US" altLang="zh-TW" sz="4000" dirty="0" smtClean="0"/>
               <a:t/>
             </a:r>
             <a:br>
-              <a:rPr lang="en-US" altLang="zh-TW" sz="4800" dirty="0" smtClean="0"/>
+              <a:rPr lang="en-US" altLang="zh-TW" sz="4000" dirty="0" smtClean="0"/>
             </a:br>
             <a:r>
-              <a:rPr lang="zh-TW" altLang="en-US" sz="4800" b="1" dirty="0" smtClean="0">
+              <a:rPr lang="zh-TW" altLang="en-US" sz="4000" b="1" dirty="0" smtClean="0">
                 <a:solidFill>
                   <a:srgbClr val="0070C0"/>
                 </a:solidFill>
@@ -3674,7 +3674,7 @@
               <a:t>大聲</a:t>
             </a:r>
             <a:r>
-              <a:rPr lang="zh-TW" altLang="en-US" sz="4800" b="1" dirty="0">
+              <a:rPr lang="zh-TW" altLang="en-US" sz="4000" b="1" dirty="0">
                 <a:solidFill>
                   <a:srgbClr val="0070C0"/>
                 </a:solidFill>
@@ -3682,14 +3682,14 @@
               <a:t>歡呼感謝</a:t>
             </a:r>
             <a:r>
-              <a:rPr lang="zh-TW" altLang="en-US" sz="4800" b="1" dirty="0" smtClean="0">
+              <a:rPr lang="zh-TW" altLang="en-US" sz="4000" b="1" dirty="0" smtClean="0">
                 <a:solidFill>
                   <a:srgbClr val="0070C0"/>
                 </a:solidFill>
               </a:rPr>
               <a:t>祢</a:t>
             </a:r>
-            <a:endParaRPr lang="en-US" altLang="zh-TW" sz="4800" b="1" dirty="0" smtClean="0">
+            <a:endParaRPr lang="en-US" altLang="zh-TW" sz="4000" b="1" dirty="0" smtClean="0">
               <a:solidFill>
                 <a:srgbClr val="0070C0"/>
               </a:solidFill>
@@ -3700,59 +3700,59 @@
               <a:buNone/>
             </a:pPr>
             <a:r>
-              <a:rPr lang="en-US" altLang="zh-TW" dirty="0" err="1" smtClean="0"/>
+              <a:rPr lang="en-US" altLang="zh-TW" sz="2400" dirty="0" err="1" smtClean="0"/>
               <a:t>dà</a:t>
             </a:r>
             <a:r>
-              <a:rPr lang="en-US" altLang="zh-TW" dirty="0" smtClean="0"/>
-              <a:t> </a:t>
-            </a:r>
-            <a:r>
-              <a:rPr lang="en-US" altLang="zh-TW" dirty="0" err="1" smtClean="0"/>
+              <a:rPr lang="en-US" altLang="zh-TW" sz="2400" dirty="0" smtClean="0"/>
+              <a:t> </a:t>
+            </a:r>
+            <a:r>
+              <a:rPr lang="en-US" altLang="zh-TW" sz="2400" dirty="0" err="1" smtClean="0"/>
               <a:t>shēng</a:t>
             </a:r>
             <a:r>
-              <a:rPr lang="en-US" altLang="zh-TW" dirty="0" smtClean="0"/>
-              <a:t> </a:t>
-            </a:r>
-            <a:r>
-              <a:rPr lang="en-US" altLang="zh-TW" dirty="0" err="1" smtClean="0"/>
+              <a:rPr lang="en-US" altLang="zh-TW" sz="2400" dirty="0" smtClean="0"/>
+              <a:t> </a:t>
+            </a:r>
+            <a:r>
+              <a:rPr lang="en-US" altLang="zh-TW" sz="2400" dirty="0" err="1" smtClean="0"/>
               <a:t>huān</a:t>
             </a:r>
             <a:r>
-              <a:rPr lang="en-US" altLang="zh-TW" dirty="0" smtClean="0"/>
-              <a:t> </a:t>
-            </a:r>
-            <a:r>
-              <a:rPr lang="en-US" altLang="zh-TW" dirty="0" err="1" smtClean="0"/>
+              <a:rPr lang="en-US" altLang="zh-TW" sz="2400" dirty="0" smtClean="0"/>
+              <a:t> </a:t>
+            </a:r>
+            <a:r>
+              <a:rPr lang="en-US" altLang="zh-TW" sz="2400" dirty="0" err="1" smtClean="0"/>
               <a:t>hū</a:t>
             </a:r>
             <a:r>
-              <a:rPr lang="en-US" altLang="zh-TW" dirty="0" smtClean="0"/>
-              <a:t> </a:t>
-            </a:r>
-            <a:r>
-              <a:rPr lang="en-US" altLang="zh-TW" dirty="0" err="1" smtClean="0"/>
+              <a:rPr lang="en-US" altLang="zh-TW" sz="2400" dirty="0" smtClean="0"/>
+              <a:t> </a:t>
+            </a:r>
+            <a:r>
+              <a:rPr lang="en-US" altLang="zh-TW" sz="2400" dirty="0" err="1" smtClean="0"/>
               <a:t>gǎn</a:t>
             </a:r>
             <a:r>
-              <a:rPr lang="en-US" altLang="zh-TW" dirty="0" smtClean="0"/>
-              <a:t> </a:t>
-            </a:r>
-            <a:r>
-              <a:rPr lang="en-US" altLang="zh-TW" dirty="0" err="1" smtClean="0"/>
+              <a:rPr lang="en-US" altLang="zh-TW" sz="2400" dirty="0" smtClean="0"/>
+              <a:t> </a:t>
+            </a:r>
+            <a:r>
+              <a:rPr lang="en-US" altLang="zh-TW" sz="2400" dirty="0" err="1" smtClean="0"/>
               <a:t>xiè</a:t>
             </a:r>
             <a:r>
-              <a:rPr lang="en-US" altLang="zh-TW" dirty="0" smtClean="0"/>
-              <a:t> </a:t>
-            </a:r>
-            <a:r>
-              <a:rPr lang="en-US" altLang="zh-TW" dirty="0" err="1" smtClean="0"/>
+              <a:rPr lang="en-US" altLang="zh-TW" sz="2400" dirty="0" smtClean="0"/>
+              <a:t> </a:t>
+            </a:r>
+            <a:r>
+              <a:rPr lang="en-US" altLang="zh-TW" sz="2400" dirty="0" err="1" smtClean="0"/>
               <a:t>nǐ</a:t>
             </a:r>
             <a:r>
-              <a:rPr lang="zh-TW" altLang="en-US" b="1" dirty="0">
+              <a:rPr lang="zh-TW" altLang="en-US" sz="2400" b="1" dirty="0">
                 <a:solidFill>
                   <a:srgbClr val="0070C0"/>
                 </a:solidFill>
@@ -3760,14 +3760,14 @@
               <a:t/>
             </a:r>
             <a:br>
-              <a:rPr lang="zh-TW" altLang="en-US" b="1" dirty="0">
+              <a:rPr lang="zh-TW" altLang="en-US" sz="2400" b="1" dirty="0">
                 <a:solidFill>
                   <a:srgbClr val="0070C0"/>
                 </a:solidFill>
               </a:rPr>
             </a:br>
             <a:r>
-              <a:rPr lang="zh-TW" altLang="en-US" sz="4800" b="1" dirty="0">
+              <a:rPr lang="zh-TW" altLang="en-US" sz="4000" b="1" dirty="0">
                 <a:solidFill>
                   <a:srgbClr val="0070C0"/>
                 </a:solidFill>
@@ -3775,14 +3775,14 @@
               <a:t>天天來愛</a:t>
             </a:r>
             <a:r>
-              <a:rPr lang="zh-TW" altLang="en-US" sz="4800" b="1" dirty="0" smtClean="0">
+              <a:rPr lang="zh-TW" altLang="en-US" sz="4000" b="1" dirty="0" smtClean="0">
                 <a:solidFill>
                   <a:srgbClr val="0070C0"/>
                 </a:solidFill>
               </a:rPr>
               <a:t>祢</a:t>
             </a:r>
-            <a:endParaRPr lang="en-US" altLang="zh-TW" sz="4800" b="1" dirty="0" smtClean="0">
+            <a:endParaRPr lang="en-US" altLang="zh-TW" sz="4000" b="1" dirty="0" smtClean="0">
               <a:solidFill>
                 <a:srgbClr val="0070C0"/>
               </a:solidFill>
@@ -3793,42 +3793,42 @@
               <a:buNone/>
             </a:pPr>
             <a:r>
-              <a:rPr lang="en-US" altLang="zh-TW" sz="3600" dirty="0" err="1" smtClean="0"/>
+              <a:rPr lang="en-US" altLang="zh-TW" sz="2800" dirty="0" err="1" smtClean="0"/>
               <a:t>Tiān</a:t>
             </a:r>
             <a:r>
-              <a:rPr lang="en-US" altLang="zh-TW" sz="3600" dirty="0" smtClean="0"/>
-              <a:t> </a:t>
-            </a:r>
-            <a:r>
-              <a:rPr lang="en-US" altLang="zh-TW" sz="3600" dirty="0" err="1" smtClean="0"/>
+              <a:rPr lang="en-US" altLang="zh-TW" sz="2800" dirty="0" smtClean="0"/>
+              <a:t> </a:t>
+            </a:r>
+            <a:r>
+              <a:rPr lang="en-US" altLang="zh-TW" sz="2800" dirty="0" err="1" smtClean="0"/>
               <a:t>tiān</a:t>
             </a:r>
             <a:r>
-              <a:rPr lang="en-US" altLang="zh-TW" sz="3600" dirty="0" smtClean="0"/>
-              <a:t> </a:t>
-            </a:r>
-            <a:r>
-              <a:rPr lang="en-US" altLang="zh-TW" sz="3600" dirty="0" err="1" smtClean="0"/>
+              <a:rPr lang="en-US" altLang="zh-TW" sz="2800" dirty="0" smtClean="0"/>
+              <a:t> </a:t>
+            </a:r>
+            <a:r>
+              <a:rPr lang="en-US" altLang="zh-TW" sz="2800" dirty="0" err="1" smtClean="0"/>
               <a:t>lái</a:t>
             </a:r>
             <a:r>
-              <a:rPr lang="en-US" altLang="zh-TW" sz="3600" dirty="0" smtClean="0"/>
-              <a:t> </a:t>
-            </a:r>
-            <a:r>
-              <a:rPr lang="en-US" altLang="zh-TW" sz="3600" dirty="0" err="1" smtClean="0"/>
+              <a:rPr lang="en-US" altLang="zh-TW" sz="2800" dirty="0" smtClean="0"/>
+              <a:t> </a:t>
+            </a:r>
+            <a:r>
+              <a:rPr lang="en-US" altLang="zh-TW" sz="2800" dirty="0" err="1" smtClean="0"/>
               <a:t>ài</a:t>
             </a:r>
             <a:r>
-              <a:rPr lang="en-US" altLang="zh-TW" sz="3600" dirty="0" smtClean="0"/>
-              <a:t> </a:t>
-            </a:r>
-            <a:r>
-              <a:rPr lang="en-US" altLang="zh-TW" sz="3600" dirty="0" err="1" smtClean="0"/>
+              <a:rPr lang="en-US" altLang="zh-TW" sz="2800" dirty="0" smtClean="0"/>
+              <a:t> </a:t>
+            </a:r>
+            <a:r>
+              <a:rPr lang="en-US" altLang="zh-TW" sz="2800" dirty="0" err="1" smtClean="0"/>
               <a:t>nǐ</a:t>
             </a:r>
-            <a:endParaRPr lang="zh-TW" altLang="en-US" sz="3600" b="1" dirty="0">
+            <a:endParaRPr lang="zh-TW" altLang="en-US" sz="2800" b="1" dirty="0">
               <a:solidFill>
                 <a:srgbClr val="0070C0"/>
               </a:solidFill>
@@ -3839,7 +3839,7 @@
     </p:spTree>
     <p:extLst>
       <p:ext uri="{BB962C8B-B14F-4D97-AF65-F5344CB8AC3E}">
-        <p14:creationId xmlns:p14="http://schemas.microsoft.com/office/powerpoint/2010/main" xmlns="" val="2296093460"/>
+        <p14:creationId xmlns="" xmlns:p14="http://schemas.microsoft.com/office/powerpoint/2010/main" val="2296093460"/>
       </p:ext>
     </p:extLst>
   </p:cSld>
@@ -3885,7 +3885,7 @@
           <a:blip r:embed="rId2">
             <a:extLst>
               <a:ext uri="{28A0092B-C50C-407E-A947-70E740481C1C}">
-                <a14:useLocalDpi xmlns:a14="http://schemas.microsoft.com/office/drawing/2010/main" xmlns="" val="0"/>
+                <a14:useLocalDpi xmlns="" xmlns:a14="http://schemas.microsoft.com/office/drawing/2010/main" val="0"/>
               </a:ext>
             </a:extLst>
           </a:blip>
@@ -3896,8 +3896,8 @@
         </p:blipFill>
         <p:spPr bwMode="auto">
           <a:xfrm>
-            <a:off x="0" y="24"/>
-            <a:ext cx="9151347" cy="6858000"/>
+            <a:off x="0" y="18"/>
+            <a:ext cx="9151347" cy="5143500"/>
           </a:xfrm>
           <a:prstGeom prst="rect">
             <a:avLst/>
@@ -3905,7 +3905,7 @@
           <a:noFill/>
           <a:extLst>
             <a:ext uri="{909E8E84-426E-40DD-AFC4-6F175D3DCCD1}">
-              <a14:hiddenFill xmlns:a14="http://schemas.microsoft.com/office/drawing/2010/main" xmlns="">
+              <a14:hiddenFill xmlns="" xmlns:a14="http://schemas.microsoft.com/office/drawing/2010/main">
                 <a:solidFill>
                   <a:srgbClr val="FFFFFF"/>
                 </a:solidFill>
@@ -3926,13 +3926,13 @@
         </p:nvSpPr>
         <p:spPr>
           <a:xfrm>
-            <a:off x="642910" y="1000108"/>
-            <a:ext cx="4786346" cy="2928958"/>
+            <a:off x="642910" y="750081"/>
+            <a:ext cx="4786346" cy="2196719"/>
           </a:xfrm>
         </p:spPr>
         <p:txBody>
           <a:bodyPr>
-            <a:normAutofit/>
+            <a:normAutofit lnSpcReduction="10000"/>
           </a:bodyPr>
           <a:lstStyle/>
           <a:p>
@@ -3940,14 +3940,14 @@
               <a:buNone/>
             </a:pPr>
             <a:r>
-              <a:rPr lang="zh-TW" altLang="en-US" sz="4800" b="1" dirty="0" smtClean="0">
+              <a:rPr lang="zh-TW" altLang="en-US" sz="4000" b="1" dirty="0" smtClean="0">
                 <a:solidFill>
                   <a:srgbClr val="FF0000"/>
                 </a:solidFill>
               </a:rPr>
               <a:t>耶穌是我好朋友</a:t>
             </a:r>
-            <a:endParaRPr lang="en-US" altLang="zh-TW" sz="4800" b="1" dirty="0" smtClean="0">
+            <a:endParaRPr lang="en-US" altLang="zh-TW" sz="4000" b="1" dirty="0" smtClean="0">
               <a:solidFill>
                 <a:srgbClr val="FF0000"/>
               </a:solidFill>
@@ -3958,81 +3958,73 @@
               <a:buNone/>
             </a:pPr>
             <a:r>
-              <a:rPr lang="en-US" altLang="zh-TW" dirty="0" err="1" smtClean="0"/>
+              <a:rPr lang="en-US" altLang="zh-TW" sz="2800" dirty="0" err="1" smtClean="0"/>
               <a:t>Yē</a:t>
             </a:r>
             <a:r>
-              <a:rPr lang="en-US" altLang="zh-TW" dirty="0" smtClean="0"/>
-              <a:t> </a:t>
-            </a:r>
-            <a:r>
-              <a:rPr lang="en-US" altLang="zh-TW" dirty="0" err="1" smtClean="0"/>
+              <a:rPr lang="en-US" altLang="zh-TW" sz="2800" dirty="0" smtClean="0"/>
+              <a:t> </a:t>
+            </a:r>
+            <a:r>
+              <a:rPr lang="en-US" altLang="zh-TW" sz="2800" dirty="0" err="1" smtClean="0"/>
               <a:t>sū</a:t>
             </a:r>
             <a:r>
-              <a:rPr lang="en-US" altLang="zh-TW" dirty="0" smtClean="0"/>
-              <a:t> </a:t>
-            </a:r>
-            <a:r>
-              <a:rPr lang="en-US" altLang="zh-TW" dirty="0" err="1"/>
+              <a:rPr lang="en-US" altLang="zh-TW" sz="2800" dirty="0" smtClean="0"/>
+              <a:t> </a:t>
+            </a:r>
+            <a:r>
+              <a:rPr lang="en-US" altLang="zh-TW" sz="2800" dirty="0" err="1"/>
               <a:t>shì</a:t>
             </a:r>
             <a:r>
-              <a:rPr lang="en-US" altLang="zh-TW" dirty="0"/>
-              <a:t> </a:t>
-            </a:r>
-            <a:r>
-              <a:rPr lang="en-US" altLang="zh-TW" dirty="0" err="1"/>
+              <a:rPr lang="en-US" altLang="zh-TW" sz="2800" dirty="0"/>
+              <a:t> </a:t>
+            </a:r>
+            <a:r>
+              <a:rPr lang="en-US" altLang="zh-TW" sz="2800" dirty="0" err="1"/>
               <a:t>wǒ</a:t>
             </a:r>
             <a:r>
-              <a:rPr lang="en-US" altLang="zh-TW" dirty="0"/>
-              <a:t> </a:t>
-            </a:r>
-            <a:r>
-              <a:rPr lang="en-US" altLang="zh-TW" dirty="0" err="1"/>
+              <a:rPr lang="en-US" altLang="zh-TW" sz="2800" dirty="0"/>
+              <a:t> </a:t>
+            </a:r>
+            <a:r>
+              <a:rPr lang="en-US" altLang="zh-TW" sz="2800" dirty="0" err="1"/>
               <a:t>hǎo</a:t>
             </a:r>
             <a:r>
-              <a:rPr lang="en-US" altLang="zh-TW" dirty="0"/>
-              <a:t> </a:t>
-            </a:r>
-            <a:r>
-              <a:rPr lang="en-US" altLang="zh-TW" dirty="0" err="1" smtClean="0"/>
+              <a:rPr lang="en-US" altLang="zh-TW" sz="2800" dirty="0"/>
+              <a:t> </a:t>
+            </a:r>
+            <a:r>
+              <a:rPr lang="en-US" altLang="zh-TW" sz="2800" dirty="0" err="1" smtClean="0"/>
               <a:t>péng</a:t>
             </a:r>
             <a:r>
-              <a:rPr lang="en-US" altLang="zh-TW" dirty="0" smtClean="0"/>
-              <a:t> </a:t>
-            </a:r>
-            <a:r>
-              <a:rPr lang="en-US" altLang="zh-TW" dirty="0" err="1" smtClean="0"/>
+              <a:rPr lang="en-US" altLang="zh-TW" sz="2800" dirty="0" smtClean="0"/>
+              <a:t> </a:t>
+            </a:r>
+            <a:r>
+              <a:rPr lang="en-US" altLang="zh-TW" sz="2800" dirty="0" err="1" smtClean="0"/>
               <a:t>yǒu</a:t>
             </a:r>
             <a:r>
-              <a:rPr lang="zh-TW" altLang="en-US" sz="3900" dirty="0"/>
+              <a:rPr lang="zh-TW" altLang="en-US" dirty="0"/>
               <a:t/>
             </a:r>
             <a:br>
-              <a:rPr lang="zh-TW" altLang="en-US" sz="3900" dirty="0"/>
+              <a:rPr lang="zh-TW" altLang="en-US" dirty="0"/>
             </a:br>
             <a:r>
-              <a:rPr lang="zh-TW" altLang="en-US" sz="4800" b="1" dirty="0" smtClean="0">
+              <a:rPr lang="zh-TW" altLang="en-US" sz="4000" b="1" dirty="0" smtClean="0">
                 <a:solidFill>
                   <a:srgbClr val="FF0000"/>
                 </a:solidFill>
               </a:rPr>
-              <a:t>我要天天</a:t>
-            </a:r>
-            <a:r>
-              <a:rPr lang="zh-TW" altLang="en-US" sz="4800" b="1" dirty="0" smtClean="0">
-                <a:solidFill>
-                  <a:srgbClr val="FF0000"/>
-                </a:solidFill>
-              </a:rPr>
-              <a:t>讚美祢</a:t>
-            </a:r>
-            <a:endParaRPr lang="en-US" altLang="zh-TW" sz="4800" b="1" dirty="0" smtClean="0">
+              <a:t>我要天天讚美祢</a:t>
+            </a:r>
+            <a:endParaRPr lang="en-US" altLang="zh-TW" sz="4000" b="1" dirty="0" smtClean="0">
               <a:solidFill>
                 <a:srgbClr val="FF0000"/>
               </a:solidFill>
@@ -4043,58 +4035,58 @@
               <a:buNone/>
             </a:pPr>
             <a:r>
-              <a:rPr lang="en-US" altLang="zh-TW" dirty="0" err="1" smtClean="0"/>
+              <a:rPr lang="en-US" altLang="zh-TW" sz="2800" dirty="0" err="1" smtClean="0"/>
               <a:t>wǒ</a:t>
             </a:r>
             <a:r>
-              <a:rPr lang="en-US" altLang="zh-TW" dirty="0" smtClean="0"/>
-              <a:t> </a:t>
-            </a:r>
-            <a:r>
-              <a:rPr lang="en-US" altLang="zh-TW" dirty="0" err="1" smtClean="0"/>
+              <a:rPr lang="en-US" altLang="zh-TW" sz="2800" dirty="0" smtClean="0"/>
+              <a:t> </a:t>
+            </a:r>
+            <a:r>
+              <a:rPr lang="en-US" altLang="zh-TW" sz="2800" dirty="0" err="1" smtClean="0"/>
               <a:t>yào</a:t>
             </a:r>
             <a:r>
-              <a:rPr lang="en-US" altLang="zh-TW" dirty="0" smtClean="0"/>
-              <a:t> </a:t>
-            </a:r>
-            <a:r>
-              <a:rPr lang="en-US" altLang="zh-TW" dirty="0" err="1" smtClean="0"/>
+              <a:rPr lang="en-US" altLang="zh-TW" sz="2800" dirty="0" smtClean="0"/>
+              <a:t> </a:t>
+            </a:r>
+            <a:r>
+              <a:rPr lang="en-US" altLang="zh-TW" sz="2800" dirty="0" err="1" smtClean="0"/>
               <a:t>tiān</a:t>
             </a:r>
             <a:r>
-              <a:rPr lang="en-US" altLang="zh-TW" dirty="0" smtClean="0"/>
-              <a:t> </a:t>
-            </a:r>
-            <a:r>
-              <a:rPr lang="en-US" altLang="zh-TW" dirty="0" err="1" smtClean="0"/>
+              <a:rPr lang="en-US" altLang="zh-TW" sz="2800" dirty="0" smtClean="0"/>
+              <a:t> </a:t>
+            </a:r>
+            <a:r>
+              <a:rPr lang="en-US" altLang="zh-TW" sz="2800" dirty="0" err="1" smtClean="0"/>
               <a:t>tiān</a:t>
             </a:r>
             <a:r>
-              <a:rPr lang="en-US" altLang="zh-TW" dirty="0" smtClean="0"/>
-              <a:t> </a:t>
-            </a:r>
-            <a:r>
-              <a:rPr lang="en-US" altLang="zh-TW" dirty="0" err="1" smtClean="0"/>
+              <a:rPr lang="en-US" altLang="zh-TW" sz="2800" dirty="0" smtClean="0"/>
+              <a:t> </a:t>
+            </a:r>
+            <a:r>
+              <a:rPr lang="en-US" altLang="zh-TW" sz="2800" dirty="0" err="1" smtClean="0"/>
               <a:t>zàn</a:t>
             </a:r>
             <a:r>
-              <a:rPr lang="en-US" altLang="zh-TW" dirty="0" smtClean="0"/>
-              <a:t> </a:t>
-            </a:r>
-            <a:r>
-              <a:rPr lang="en-US" altLang="zh-TW" dirty="0" err="1" smtClean="0"/>
+              <a:rPr lang="en-US" altLang="zh-TW" sz="2800" dirty="0" smtClean="0"/>
+              <a:t> </a:t>
+            </a:r>
+            <a:r>
+              <a:rPr lang="en-US" altLang="zh-TW" sz="2800" dirty="0" err="1" smtClean="0"/>
               <a:t>měi</a:t>
             </a:r>
             <a:r>
-              <a:rPr lang="en-US" altLang="zh-TW" dirty="0" smtClean="0"/>
-              <a:t> </a:t>
-            </a:r>
-            <a:r>
-              <a:rPr lang="en-US" altLang="zh-TW" dirty="0" err="1" smtClean="0"/>
+              <a:rPr lang="en-US" altLang="zh-TW" sz="2800" dirty="0" smtClean="0"/>
+              <a:t> </a:t>
+            </a:r>
+            <a:r>
+              <a:rPr lang="en-US" altLang="zh-TW" sz="2800" dirty="0" err="1" smtClean="0"/>
               <a:t>nǐ</a:t>
             </a:r>
-            <a:endParaRPr lang="zh-TW" altLang="en-US" sz="3600" b="1" dirty="0" smtClean="0"/>
+            <a:endParaRPr lang="zh-TW" altLang="en-US" b="1" dirty="0" smtClean="0"/>
           </a:p>
         </p:txBody>
       </p:sp>
@@ -4108,8 +4100,8 @@
         </p:nvSpPr>
         <p:spPr>
           <a:xfrm>
-            <a:off x="3714776" y="3500438"/>
-            <a:ext cx="5000628" cy="3000396"/>
+            <a:off x="3714776" y="2625328"/>
+            <a:ext cx="5000628" cy="2250297"/>
           </a:xfrm>
           <a:prstGeom prst="rect">
             <a:avLst/>
@@ -4117,7 +4109,7 @@
         </p:spPr>
         <p:txBody>
           <a:bodyPr vert="horz" lIns="91440" tIns="45720" rIns="91440" bIns="45720" rtlCol="0">
-            <a:normAutofit/>
+            <a:noAutofit/>
           </a:bodyPr>
           <a:lstStyle/>
           <a:p>
@@ -4139,7 +4131,7 @@
               <a:defRPr/>
             </a:pPr>
             <a:r>
-              <a:rPr kumimoji="0" lang="zh-TW" altLang="en-US" sz="4800" b="1" i="0" u="none" strike="noStrike" kern="1200" cap="none" spc="0" normalizeH="0" baseline="0" noProof="0" dirty="0" smtClean="0">
+              <a:rPr kumimoji="0" lang="zh-TW" altLang="en-US" sz="4000" b="1" i="0" u="none" strike="noStrike" kern="1200" cap="none" spc="0" normalizeH="0" baseline="0" noProof="0" dirty="0" smtClean="0">
                 <a:ln>
                   <a:noFill/>
                 </a:ln>
@@ -4153,15 +4145,15 @@
                 <a:ea typeface="+mn-ea"/>
                 <a:cs typeface="+mn-cs"/>
               </a:rPr>
-              <a:t>困難來了不害怕</a:t>
-            </a:r>
-            <a:r>
-              <a:rPr kumimoji="0" lang="en-US" altLang="zh-TW" sz="3200" b="0" i="0" u="none" strike="noStrike" kern="1200" cap="none" spc="0" normalizeH="0" baseline="0" noProof="0" dirty="0" err="1" smtClean="0">
+              <a:t>困難來了不</a:t>
+            </a:r>
+            <a:r>
+              <a:rPr kumimoji="0" lang="zh-TW" altLang="en-US" sz="4000" b="1" i="0" u="none" strike="noStrike" kern="1200" cap="none" spc="0" normalizeH="0" baseline="0" noProof="0" dirty="0" smtClean="0">
                 <a:ln>
                   <a:noFill/>
                 </a:ln>
                 <a:solidFill>
-                  <a:schemeClr val="tx1"/>
+                  <a:srgbClr val="FF0000"/>
                 </a:solidFill>
                 <a:effectLst/>
                 <a:uLnTx/>
@@ -4170,266 +4162,21 @@
                 <a:ea typeface="+mn-ea"/>
                 <a:cs typeface="+mn-cs"/>
               </a:rPr>
-              <a:t>Kùn</a:t>
-            </a:r>
-            <a:r>
-              <a:rPr kumimoji="0" lang="en-US" altLang="zh-TW" sz="3200" b="0" i="0" u="none" strike="noStrike" kern="1200" cap="none" spc="0" normalizeH="0" baseline="0" noProof="0" dirty="0" smtClean="0">
-                <a:ln>
-                  <a:noFill/>
-                </a:ln>
-                <a:solidFill>
-                  <a:schemeClr val="tx1"/>
-                </a:solidFill>
-                <a:effectLst/>
-                <a:uLnTx/>
-                <a:uFillTx/>
-                <a:latin typeface="+mn-lt"/>
-                <a:ea typeface="+mn-ea"/>
-                <a:cs typeface="+mn-cs"/>
-              </a:rPr>
-              <a:t> </a:t>
-            </a:r>
-            <a:r>
-              <a:rPr kumimoji="0" lang="en-US" altLang="zh-TW" sz="3200" b="0" i="0" u="none" strike="noStrike" kern="1200" cap="none" spc="0" normalizeH="0" baseline="0" noProof="0" dirty="0" err="1" smtClean="0">
-                <a:ln>
-                  <a:noFill/>
-                </a:ln>
-                <a:solidFill>
-                  <a:schemeClr val="tx1"/>
-                </a:solidFill>
-                <a:effectLst/>
-                <a:uLnTx/>
-                <a:uFillTx/>
-                <a:latin typeface="+mn-lt"/>
-                <a:ea typeface="+mn-ea"/>
-                <a:cs typeface="+mn-cs"/>
-              </a:rPr>
-              <a:t>nán</a:t>
-            </a:r>
-            <a:r>
-              <a:rPr kumimoji="0" lang="en-US" altLang="zh-TW" sz="3200" b="0" i="0" u="none" strike="noStrike" kern="1200" cap="none" spc="0" normalizeH="0" baseline="0" noProof="0" dirty="0" smtClean="0">
-                <a:ln>
-                  <a:noFill/>
-                </a:ln>
-                <a:solidFill>
-                  <a:schemeClr val="tx1"/>
-                </a:solidFill>
-                <a:effectLst/>
-                <a:uLnTx/>
-                <a:uFillTx/>
-                <a:latin typeface="+mn-lt"/>
-                <a:ea typeface="+mn-ea"/>
-                <a:cs typeface="+mn-cs"/>
-              </a:rPr>
-              <a:t> </a:t>
-            </a:r>
-            <a:r>
-              <a:rPr kumimoji="0" lang="en-US" altLang="zh-TW" sz="3200" b="0" i="0" u="none" strike="noStrike" kern="1200" cap="none" spc="0" normalizeH="0" baseline="0" noProof="0" dirty="0" err="1" smtClean="0">
-                <a:ln>
-                  <a:noFill/>
-                </a:ln>
-                <a:solidFill>
-                  <a:schemeClr val="tx1"/>
-                </a:solidFill>
-                <a:effectLst/>
-                <a:uLnTx/>
-                <a:uFillTx/>
-                <a:latin typeface="+mn-lt"/>
-                <a:ea typeface="+mn-ea"/>
-                <a:cs typeface="+mn-cs"/>
-              </a:rPr>
-              <a:t>lái</a:t>
-            </a:r>
-            <a:r>
-              <a:rPr kumimoji="0" lang="en-US" altLang="zh-TW" sz="3200" b="0" i="0" u="none" strike="noStrike" kern="1200" cap="none" spc="0" normalizeH="0" baseline="0" noProof="0" dirty="0" smtClean="0">
-                <a:ln>
-                  <a:noFill/>
-                </a:ln>
-                <a:solidFill>
-                  <a:schemeClr val="tx1"/>
-                </a:solidFill>
-                <a:effectLst/>
-                <a:uLnTx/>
-                <a:uFillTx/>
-                <a:latin typeface="+mn-lt"/>
-                <a:ea typeface="+mn-ea"/>
-                <a:cs typeface="+mn-cs"/>
-              </a:rPr>
-              <a:t> </a:t>
-            </a:r>
-            <a:r>
-              <a:rPr kumimoji="0" lang="en-US" altLang="zh-TW" sz="3200" b="0" i="0" u="none" strike="noStrike" kern="1200" cap="none" spc="0" normalizeH="0" baseline="0" noProof="0" dirty="0" err="1" smtClean="0">
-                <a:ln>
-                  <a:noFill/>
-                </a:ln>
-                <a:solidFill>
-                  <a:schemeClr val="tx1"/>
-                </a:solidFill>
-                <a:effectLst/>
-                <a:uLnTx/>
-                <a:uFillTx/>
-                <a:latin typeface="+mn-lt"/>
-                <a:ea typeface="+mn-ea"/>
-                <a:cs typeface="+mn-cs"/>
-              </a:rPr>
-              <a:t>liǎo</a:t>
-            </a:r>
-            <a:r>
-              <a:rPr kumimoji="0" lang="en-US" altLang="zh-TW" sz="3200" b="0" i="0" u="none" strike="noStrike" kern="1200" cap="none" spc="0" normalizeH="0" baseline="0" noProof="0" dirty="0" smtClean="0">
-                <a:ln>
-                  <a:noFill/>
-                </a:ln>
-                <a:solidFill>
-                  <a:schemeClr val="tx1"/>
-                </a:solidFill>
-                <a:effectLst/>
-                <a:uLnTx/>
-                <a:uFillTx/>
-                <a:latin typeface="+mn-lt"/>
-                <a:ea typeface="+mn-ea"/>
-                <a:cs typeface="+mn-cs"/>
-              </a:rPr>
-              <a:t> </a:t>
-            </a:r>
-            <a:r>
-              <a:rPr kumimoji="0" lang="en-US" altLang="zh-TW" sz="3200" b="0" i="0" u="none" strike="noStrike" kern="1200" cap="none" spc="0" normalizeH="0" baseline="0" noProof="0" dirty="0" err="1" smtClean="0">
-                <a:ln>
-                  <a:noFill/>
-                </a:ln>
-                <a:solidFill>
-                  <a:schemeClr val="tx1"/>
-                </a:solidFill>
-                <a:effectLst/>
-                <a:uLnTx/>
-                <a:uFillTx/>
-                <a:latin typeface="+mn-lt"/>
-                <a:ea typeface="+mn-ea"/>
-                <a:cs typeface="+mn-cs"/>
-              </a:rPr>
-              <a:t>bù</a:t>
-            </a:r>
-            <a:r>
-              <a:rPr kumimoji="0" lang="en-US" altLang="zh-TW" sz="3200" b="0" i="0" u="none" strike="noStrike" kern="1200" cap="none" spc="0" normalizeH="0" baseline="0" noProof="0" dirty="0" smtClean="0">
-                <a:ln>
-                  <a:noFill/>
-                </a:ln>
-                <a:solidFill>
-                  <a:schemeClr val="tx1"/>
-                </a:solidFill>
-                <a:effectLst/>
-                <a:uLnTx/>
-                <a:uFillTx/>
-                <a:latin typeface="+mn-lt"/>
-                <a:ea typeface="+mn-ea"/>
-                <a:cs typeface="+mn-cs"/>
-              </a:rPr>
-              <a:t> </a:t>
-            </a:r>
-            <a:r>
-              <a:rPr kumimoji="0" lang="en-US" altLang="zh-TW" sz="3200" b="0" i="0" u="none" strike="noStrike" kern="1200" cap="none" spc="0" normalizeH="0" baseline="0" noProof="0" dirty="0" err="1" smtClean="0">
-                <a:ln>
-                  <a:noFill/>
-                </a:ln>
-                <a:solidFill>
-                  <a:schemeClr val="tx1"/>
-                </a:solidFill>
-                <a:effectLst/>
-                <a:uLnTx/>
-                <a:uFillTx/>
-                <a:latin typeface="+mn-lt"/>
-                <a:ea typeface="+mn-ea"/>
-                <a:cs typeface="+mn-cs"/>
-              </a:rPr>
-              <a:t>hài</a:t>
-            </a:r>
-            <a:r>
-              <a:rPr kumimoji="0" lang="en-US" altLang="zh-TW" sz="3200" b="0" i="0" u="none" strike="noStrike" kern="1200" cap="none" spc="0" normalizeH="0" baseline="0" noProof="0" dirty="0" smtClean="0">
-                <a:ln>
-                  <a:noFill/>
-                </a:ln>
-                <a:solidFill>
-                  <a:schemeClr val="tx1"/>
-                </a:solidFill>
-                <a:effectLst/>
-                <a:uLnTx/>
-                <a:uFillTx/>
-                <a:latin typeface="+mn-lt"/>
-                <a:ea typeface="+mn-ea"/>
-                <a:cs typeface="+mn-cs"/>
-              </a:rPr>
-              <a:t> </a:t>
-            </a:r>
-            <a:r>
-              <a:rPr kumimoji="0" lang="en-US" altLang="zh-TW" sz="3200" b="0" i="0" u="none" strike="noStrike" kern="1200" cap="none" spc="0" normalizeH="0" baseline="0" noProof="0" dirty="0" err="1" smtClean="0">
-                <a:ln>
-                  <a:noFill/>
-                </a:ln>
-                <a:solidFill>
-                  <a:schemeClr val="tx1"/>
-                </a:solidFill>
-                <a:effectLst/>
-                <a:uLnTx/>
-                <a:uFillTx/>
-                <a:latin typeface="+mn-lt"/>
-                <a:ea typeface="+mn-ea"/>
-                <a:cs typeface="+mn-cs"/>
-              </a:rPr>
-              <a:t>pà</a:t>
-            </a:r>
-            <a:r>
-              <a:rPr kumimoji="0" lang="zh-TW" altLang="en-US" sz="4000" b="1" i="0" u="none" strike="noStrike" kern="1200" cap="none" spc="0" normalizeH="0" baseline="0" noProof="0" dirty="0" smtClean="0">
-                <a:ln>
-                  <a:noFill/>
-                </a:ln>
-                <a:solidFill>
-                  <a:srgbClr val="FF0000"/>
-                </a:solidFill>
-                <a:effectLst/>
-                <a:uLnTx/>
-                <a:uFillTx/>
-                <a:latin typeface="+mn-lt"/>
-                <a:ea typeface="+mn-ea"/>
-                <a:cs typeface="+mn-cs"/>
-              </a:rPr>
-              <a:t/>
-            </a:r>
-            <a:br>
-              <a:rPr kumimoji="0" lang="zh-TW" altLang="en-US" sz="4000" b="1" i="0" u="none" strike="noStrike" kern="1200" cap="none" spc="0" normalizeH="0" baseline="0" noProof="0" dirty="0" smtClean="0">
-                <a:ln>
-                  <a:noFill/>
-                </a:ln>
-                <a:solidFill>
-                  <a:srgbClr val="FF0000"/>
-                </a:solidFill>
-                <a:effectLst/>
-                <a:uLnTx/>
-                <a:uFillTx/>
-                <a:latin typeface="+mn-lt"/>
-                <a:ea typeface="+mn-ea"/>
-                <a:cs typeface="+mn-cs"/>
-              </a:rPr>
-            </a:br>
-            <a:r>
-              <a:rPr kumimoji="0" lang="zh-TW" altLang="en-US" sz="4800" b="1" i="0" u="none" strike="noStrike" kern="1200" cap="none" spc="0" normalizeH="0" baseline="0" noProof="0" dirty="0" smtClean="0">
-                <a:ln>
-                  <a:noFill/>
-                </a:ln>
-                <a:solidFill>
-                  <a:srgbClr val="FF0000"/>
-                </a:solidFill>
-                <a:effectLst/>
-                <a:uLnTx/>
-                <a:uFillTx/>
-                <a:latin typeface="+mn-lt"/>
-                <a:ea typeface="+mn-ea"/>
-                <a:cs typeface="+mn-cs"/>
-              </a:rPr>
-              <a:t>天天來愛祢</a:t>
-            </a:r>
-            <a:endParaRPr lang="en-US" altLang="zh-TW" sz="4800" b="1" dirty="0" smtClean="0">
+              <a:t>害怕</a:t>
+            </a:r>
+            <a:endParaRPr kumimoji="0" lang="en-US" altLang="zh-TW" sz="4000" b="1" i="0" u="none" strike="noStrike" kern="1200" cap="none" spc="0" normalizeH="0" baseline="0" noProof="0" smtClean="0">
+              <a:ln>
+                <a:noFill/>
+              </a:ln>
               <a:solidFill>
                 <a:srgbClr val="FF0000"/>
               </a:solidFill>
+              <a:effectLst/>
+              <a:uLnTx/>
+              <a:uFillTx/>
+              <a:latin typeface="+mn-lt"/>
+              <a:ea typeface="+mn-ea"/>
+              <a:cs typeface="+mn-cs"/>
             </a:endParaRPr>
           </a:p>
           <a:p>
@@ -4451,7 +4198,7 @@
               <a:defRPr/>
             </a:pPr>
             <a:r>
-              <a:rPr kumimoji="0" lang="en-US" altLang="zh-TW" sz="3600" b="0" i="0" u="none" strike="noStrike" kern="1200" cap="none" spc="0" normalizeH="0" baseline="0" noProof="0" dirty="0" err="1" smtClean="0">
+              <a:rPr kumimoji="0" lang="en-US" altLang="zh-TW" sz="2800" b="0" i="0" u="none" strike="noStrike" kern="1200" cap="none" spc="0" normalizeH="0" baseline="0" noProof="0" smtClean="0">
                 <a:ln>
                   <a:noFill/>
                 </a:ln>
@@ -4465,10 +4212,10 @@
                 <a:ea typeface="+mn-ea"/>
                 <a:cs typeface="+mn-cs"/>
               </a:rPr>
-              <a:t>Tiān</a:t>
-            </a:r>
-            <a:r>
-              <a:rPr kumimoji="0" lang="en-US" altLang="zh-TW" sz="3600" b="0" i="0" u="none" strike="noStrike" kern="1200" cap="none" spc="0" normalizeH="0" baseline="0" noProof="0" dirty="0" smtClean="0">
+              <a:t>Kùn</a:t>
+            </a:r>
+            <a:r>
+              <a:rPr kumimoji="0" lang="en-US" altLang="zh-TW" sz="2800" b="0" i="0" u="none" strike="noStrike" kern="1200" cap="none" spc="0" normalizeH="0" baseline="0" noProof="0" dirty="0" smtClean="0">
                 <a:ln>
                   <a:noFill/>
                 </a:ln>
@@ -4485,7 +4232,7 @@
               <a:t> </a:t>
             </a:r>
             <a:r>
-              <a:rPr kumimoji="0" lang="en-US" altLang="zh-TW" sz="3600" b="0" i="0" u="none" strike="noStrike" kern="1200" cap="none" spc="0" normalizeH="0" baseline="0" noProof="0" dirty="0" err="1" smtClean="0">
+              <a:rPr kumimoji="0" lang="en-US" altLang="zh-TW" sz="2800" b="0" i="0" u="none" strike="noStrike" kern="1200" cap="none" spc="0" normalizeH="0" baseline="0" noProof="0" dirty="0" err="1" smtClean="0">
                 <a:ln>
                   <a:noFill/>
                 </a:ln>
@@ -4499,10 +4246,10 @@
                 <a:ea typeface="+mn-ea"/>
                 <a:cs typeface="+mn-cs"/>
               </a:rPr>
-              <a:t>tiān</a:t>
-            </a:r>
-            <a:r>
-              <a:rPr kumimoji="0" lang="en-US" altLang="zh-TW" sz="3600" b="0" i="0" u="none" strike="noStrike" kern="1200" cap="none" spc="0" normalizeH="0" baseline="0" noProof="0" dirty="0" smtClean="0">
+              <a:t>nán</a:t>
+            </a:r>
+            <a:r>
+              <a:rPr kumimoji="0" lang="en-US" altLang="zh-TW" sz="2800" b="0" i="0" u="none" strike="noStrike" kern="1200" cap="none" spc="0" normalizeH="0" baseline="0" noProof="0" dirty="0" smtClean="0">
                 <a:ln>
                   <a:noFill/>
                 </a:ln>
@@ -4519,7 +4266,7 @@
               <a:t> </a:t>
             </a:r>
             <a:r>
-              <a:rPr kumimoji="0" lang="en-US" altLang="zh-TW" sz="3600" b="0" i="0" u="none" strike="noStrike" kern="1200" cap="none" spc="0" normalizeH="0" baseline="0" noProof="0" dirty="0" err="1" smtClean="0">
+              <a:rPr kumimoji="0" lang="en-US" altLang="zh-TW" sz="2800" b="0" i="0" u="none" strike="noStrike" kern="1200" cap="none" spc="0" normalizeH="0" baseline="0" noProof="0" dirty="0" err="1" smtClean="0">
                 <a:ln>
                   <a:noFill/>
                 </a:ln>
@@ -4536,7 +4283,7 @@
               <a:t>lái</a:t>
             </a:r>
             <a:r>
-              <a:rPr kumimoji="0" lang="en-US" altLang="zh-TW" sz="3600" b="0" i="0" u="none" strike="noStrike" kern="1200" cap="none" spc="0" normalizeH="0" baseline="0" noProof="0" dirty="0" smtClean="0">
+              <a:rPr kumimoji="0" lang="en-US" altLang="zh-TW" sz="2800" b="0" i="0" u="none" strike="noStrike" kern="1200" cap="none" spc="0" normalizeH="0" baseline="0" noProof="0" dirty="0" smtClean="0">
                 <a:ln>
                   <a:noFill/>
                 </a:ln>
@@ -4553,7 +4300,7 @@
               <a:t> </a:t>
             </a:r>
             <a:r>
-              <a:rPr kumimoji="0" lang="en-US" altLang="zh-TW" sz="3600" b="0" i="0" u="none" strike="noStrike" kern="1200" cap="none" spc="0" normalizeH="0" baseline="0" noProof="0" dirty="0" err="1" smtClean="0">
+              <a:rPr kumimoji="0" lang="en-US" altLang="zh-TW" sz="2800" b="0" i="0" u="none" strike="noStrike" kern="1200" cap="none" spc="0" normalizeH="0" baseline="0" noProof="0" dirty="0" err="1" smtClean="0">
                 <a:ln>
                   <a:noFill/>
                 </a:ln>
@@ -4567,10 +4314,10 @@
                 <a:ea typeface="+mn-ea"/>
                 <a:cs typeface="+mn-cs"/>
               </a:rPr>
-              <a:t>ài</a:t>
-            </a:r>
-            <a:r>
-              <a:rPr kumimoji="0" lang="en-US" altLang="zh-TW" sz="3600" b="0" i="0" u="none" strike="noStrike" kern="1200" cap="none" spc="0" normalizeH="0" baseline="0" noProof="0" dirty="0" smtClean="0">
+              <a:t>liǎo</a:t>
+            </a:r>
+            <a:r>
+              <a:rPr kumimoji="0" lang="en-US" altLang="zh-TW" sz="2800" b="0" i="0" u="none" strike="noStrike" kern="1200" cap="none" spc="0" normalizeH="0" baseline="0" noProof="0" dirty="0" smtClean="0">
                 <a:ln>
                   <a:noFill/>
                 </a:ln>
@@ -4587,7 +4334,7 @@
               <a:t> </a:t>
             </a:r>
             <a:r>
-              <a:rPr kumimoji="0" lang="en-US" altLang="zh-TW" sz="3600" b="0" i="0" u="none" strike="noStrike" kern="1200" cap="none" spc="0" normalizeH="0" baseline="0" noProof="0" dirty="0" err="1" smtClean="0">
+              <a:rPr kumimoji="0" lang="en-US" altLang="zh-TW" sz="2800" b="0" i="0" u="none" strike="noStrike" kern="1200" cap="none" spc="0" normalizeH="0" baseline="0" noProof="0" dirty="0" err="1" smtClean="0">
                 <a:ln>
                   <a:noFill/>
                 </a:ln>
@@ -4601,9 +4348,304 @@
                 <a:ea typeface="+mn-ea"/>
                 <a:cs typeface="+mn-cs"/>
               </a:rPr>
+              <a:t>bù</a:t>
+            </a:r>
+            <a:r>
+              <a:rPr kumimoji="0" lang="en-US" altLang="zh-TW" sz="2800" b="0" i="0" u="none" strike="noStrike" kern="1200" cap="none" spc="0" normalizeH="0" baseline="0" noProof="0" dirty="0" smtClean="0">
+                <a:ln>
+                  <a:noFill/>
+                </a:ln>
+                <a:solidFill>
+                  <a:schemeClr val="tx1"/>
+                </a:solidFill>
+                <a:effectLst/>
+                <a:uLnTx/>
+                <a:uFillTx/>
+                <a:latin typeface="+mn-lt"/>
+                <a:ea typeface="+mn-ea"/>
+                <a:cs typeface="+mn-cs"/>
+              </a:rPr>
+              <a:t> </a:t>
+            </a:r>
+            <a:r>
+              <a:rPr kumimoji="0" lang="en-US" altLang="zh-TW" sz="2800" b="0" i="0" u="none" strike="noStrike" kern="1200" cap="none" spc="0" normalizeH="0" baseline="0" noProof="0" dirty="0" err="1" smtClean="0">
+                <a:ln>
+                  <a:noFill/>
+                </a:ln>
+                <a:solidFill>
+                  <a:schemeClr val="tx1"/>
+                </a:solidFill>
+                <a:effectLst/>
+                <a:uLnTx/>
+                <a:uFillTx/>
+                <a:latin typeface="+mn-lt"/>
+                <a:ea typeface="+mn-ea"/>
+                <a:cs typeface="+mn-cs"/>
+              </a:rPr>
+              <a:t>hài</a:t>
+            </a:r>
+            <a:r>
+              <a:rPr kumimoji="0" lang="en-US" altLang="zh-TW" sz="2800" b="0" i="0" u="none" strike="noStrike" kern="1200" cap="none" spc="0" normalizeH="0" baseline="0" noProof="0" dirty="0" smtClean="0">
+                <a:ln>
+                  <a:noFill/>
+                </a:ln>
+                <a:solidFill>
+                  <a:schemeClr val="tx1"/>
+                </a:solidFill>
+                <a:effectLst/>
+                <a:uLnTx/>
+                <a:uFillTx/>
+                <a:latin typeface="+mn-lt"/>
+                <a:ea typeface="+mn-ea"/>
+                <a:cs typeface="+mn-cs"/>
+              </a:rPr>
+              <a:t> </a:t>
+            </a:r>
+            <a:r>
+              <a:rPr kumimoji="0" lang="en-US" altLang="zh-TW" sz="2800" b="0" i="0" u="none" strike="noStrike" kern="1200" cap="none" spc="0" normalizeH="0" baseline="0" noProof="0" dirty="0" err="1" smtClean="0">
+                <a:ln>
+                  <a:noFill/>
+                </a:ln>
+                <a:solidFill>
+                  <a:schemeClr val="tx1"/>
+                </a:solidFill>
+                <a:effectLst/>
+                <a:uLnTx/>
+                <a:uFillTx/>
+                <a:latin typeface="+mn-lt"/>
+                <a:ea typeface="+mn-ea"/>
+                <a:cs typeface="+mn-cs"/>
+              </a:rPr>
+              <a:t>pà</a:t>
+            </a:r>
+            <a:r>
+              <a:rPr kumimoji="0" lang="zh-TW" altLang="en-US" sz="3600" b="1" i="0" u="none" strike="noStrike" kern="1200" cap="none" spc="0" normalizeH="0" baseline="0" noProof="0" dirty="0" smtClean="0">
+                <a:ln>
+                  <a:noFill/>
+                </a:ln>
+                <a:solidFill>
+                  <a:srgbClr val="FF0000"/>
+                </a:solidFill>
+                <a:effectLst/>
+                <a:uLnTx/>
+                <a:uFillTx/>
+                <a:latin typeface="+mn-lt"/>
+                <a:ea typeface="+mn-ea"/>
+                <a:cs typeface="+mn-cs"/>
+              </a:rPr>
+              <a:t/>
+            </a:r>
+            <a:br>
+              <a:rPr kumimoji="0" lang="zh-TW" altLang="en-US" sz="3600" b="1" i="0" u="none" strike="noStrike" kern="1200" cap="none" spc="0" normalizeH="0" baseline="0" noProof="0" dirty="0" smtClean="0">
+                <a:ln>
+                  <a:noFill/>
+                </a:ln>
+                <a:solidFill>
+                  <a:srgbClr val="FF0000"/>
+                </a:solidFill>
+                <a:effectLst/>
+                <a:uLnTx/>
+                <a:uFillTx/>
+                <a:latin typeface="+mn-lt"/>
+                <a:ea typeface="+mn-ea"/>
+                <a:cs typeface="+mn-cs"/>
+              </a:rPr>
+            </a:br>
+            <a:r>
+              <a:rPr kumimoji="0" lang="zh-TW" altLang="en-US" sz="4000" b="1" i="0" u="none" strike="noStrike" kern="1200" cap="none" spc="0" normalizeH="0" baseline="0" noProof="0" dirty="0" smtClean="0">
+                <a:ln>
+                  <a:noFill/>
+                </a:ln>
+                <a:solidFill>
+                  <a:srgbClr val="FF0000"/>
+                </a:solidFill>
+                <a:effectLst/>
+                <a:uLnTx/>
+                <a:uFillTx/>
+                <a:latin typeface="+mn-lt"/>
+                <a:ea typeface="+mn-ea"/>
+                <a:cs typeface="+mn-cs"/>
+              </a:rPr>
+              <a:t>天天來愛祢</a:t>
+            </a:r>
+            <a:endParaRPr lang="en-US" altLang="zh-TW" sz="4000" b="1" dirty="0" smtClean="0">
+              <a:solidFill>
+                <a:srgbClr val="FF0000"/>
+              </a:solidFill>
+            </a:endParaRPr>
+          </a:p>
+          <a:p>
+            <a:pPr marL="0" marR="0" lvl="0" indent="0" algn="ctr" defTabSz="914400" rtl="0" eaLnBrk="1" fontAlgn="auto" latinLnBrk="0" hangingPunct="1">
+              <a:lnSpc>
+                <a:spcPct val="100000"/>
+              </a:lnSpc>
+              <a:spcBef>
+                <a:spcPct val="20000"/>
+              </a:spcBef>
+              <a:spcAft>
+                <a:spcPts val="0"/>
+              </a:spcAft>
+              <a:buClrTx/>
+              <a:buSzTx/>
+              <a:buFont typeface="Arial" pitchFamily="34" charset="0"/>
+              <a:buNone/>
+              <a:tabLst/>
+              <a:defRPr/>
+            </a:pPr>
+            <a:r>
+              <a:rPr kumimoji="0" lang="en-US" altLang="zh-TW" sz="3200" b="0" i="0" u="none" strike="noStrike" kern="1200" cap="none" spc="0" normalizeH="0" baseline="0" noProof="0" dirty="0" err="1" smtClean="0">
+                <a:ln>
+                  <a:noFill/>
+                </a:ln>
+                <a:solidFill>
+                  <a:schemeClr val="tx1"/>
+                </a:solidFill>
+                <a:effectLst/>
+                <a:uLnTx/>
+                <a:uFillTx/>
+                <a:latin typeface="+mn-lt"/>
+                <a:ea typeface="+mn-ea"/>
+                <a:cs typeface="+mn-cs"/>
+              </a:rPr>
+              <a:t>Tiān</a:t>
+            </a:r>
+            <a:r>
+              <a:rPr kumimoji="0" lang="en-US" altLang="zh-TW" sz="3200" b="0" i="0" u="none" strike="noStrike" kern="1200" cap="none" spc="0" normalizeH="0" baseline="0" noProof="0" dirty="0" smtClean="0">
+                <a:ln>
+                  <a:noFill/>
+                </a:ln>
+                <a:solidFill>
+                  <a:schemeClr val="tx1"/>
+                </a:solidFill>
+                <a:effectLst/>
+                <a:uLnTx/>
+                <a:uFillTx/>
+                <a:latin typeface="+mn-lt"/>
+                <a:ea typeface="+mn-ea"/>
+                <a:cs typeface="+mn-cs"/>
+              </a:rPr>
+              <a:t> </a:t>
+            </a:r>
+            <a:r>
+              <a:rPr kumimoji="0" lang="en-US" altLang="zh-TW" sz="3200" b="0" i="0" u="none" strike="noStrike" kern="1200" cap="none" spc="0" normalizeH="0" baseline="0" noProof="0" dirty="0" err="1" smtClean="0">
+                <a:ln>
+                  <a:noFill/>
+                </a:ln>
+                <a:solidFill>
+                  <a:schemeClr val="tx1"/>
+                </a:solidFill>
+                <a:effectLst/>
+                <a:uLnTx/>
+                <a:uFillTx/>
+                <a:latin typeface="+mn-lt"/>
+                <a:ea typeface="+mn-ea"/>
+                <a:cs typeface="+mn-cs"/>
+              </a:rPr>
+              <a:t>tiān</a:t>
+            </a:r>
+            <a:r>
+              <a:rPr kumimoji="0" lang="en-US" altLang="zh-TW" sz="3200" b="0" i="0" u="none" strike="noStrike" kern="1200" cap="none" spc="0" normalizeH="0" baseline="0" noProof="0" dirty="0" smtClean="0">
+                <a:ln>
+                  <a:noFill/>
+                </a:ln>
+                <a:solidFill>
+                  <a:schemeClr val="tx1"/>
+                </a:solidFill>
+                <a:effectLst/>
+                <a:uLnTx/>
+                <a:uFillTx/>
+                <a:latin typeface="+mn-lt"/>
+                <a:ea typeface="+mn-ea"/>
+                <a:cs typeface="+mn-cs"/>
+              </a:rPr>
+              <a:t> </a:t>
+            </a:r>
+            <a:r>
+              <a:rPr kumimoji="0" lang="en-US" altLang="zh-TW" sz="3200" b="0" i="0" u="none" strike="noStrike" kern="1200" cap="none" spc="0" normalizeH="0" baseline="0" noProof="0" dirty="0" err="1" smtClean="0">
+                <a:ln>
+                  <a:noFill/>
+                </a:ln>
+                <a:solidFill>
+                  <a:schemeClr val="tx1"/>
+                </a:solidFill>
+                <a:effectLst/>
+                <a:uLnTx/>
+                <a:uFillTx/>
+                <a:latin typeface="+mn-lt"/>
+                <a:ea typeface="+mn-ea"/>
+                <a:cs typeface="+mn-cs"/>
+              </a:rPr>
+              <a:t>lái</a:t>
+            </a:r>
+            <a:r>
+              <a:rPr kumimoji="0" lang="en-US" altLang="zh-TW" sz="3200" b="0" i="0" u="none" strike="noStrike" kern="1200" cap="none" spc="0" normalizeH="0" baseline="0" noProof="0" dirty="0" smtClean="0">
+                <a:ln>
+                  <a:noFill/>
+                </a:ln>
+                <a:solidFill>
+                  <a:schemeClr val="tx1"/>
+                </a:solidFill>
+                <a:effectLst/>
+                <a:uLnTx/>
+                <a:uFillTx/>
+                <a:latin typeface="+mn-lt"/>
+                <a:ea typeface="+mn-ea"/>
+                <a:cs typeface="+mn-cs"/>
+              </a:rPr>
+              <a:t> </a:t>
+            </a:r>
+            <a:r>
+              <a:rPr kumimoji="0" lang="en-US" altLang="zh-TW" sz="3200" b="0" i="0" u="none" strike="noStrike" kern="1200" cap="none" spc="0" normalizeH="0" baseline="0" noProof="0" dirty="0" err="1" smtClean="0">
+                <a:ln>
+                  <a:noFill/>
+                </a:ln>
+                <a:solidFill>
+                  <a:schemeClr val="tx1"/>
+                </a:solidFill>
+                <a:effectLst/>
+                <a:uLnTx/>
+                <a:uFillTx/>
+                <a:latin typeface="+mn-lt"/>
+                <a:ea typeface="+mn-ea"/>
+                <a:cs typeface="+mn-cs"/>
+              </a:rPr>
+              <a:t>ài</a:t>
+            </a:r>
+            <a:r>
+              <a:rPr kumimoji="0" lang="en-US" altLang="zh-TW" sz="3200" b="0" i="0" u="none" strike="noStrike" kern="1200" cap="none" spc="0" normalizeH="0" baseline="0" noProof="0" dirty="0" smtClean="0">
+                <a:ln>
+                  <a:noFill/>
+                </a:ln>
+                <a:solidFill>
+                  <a:schemeClr val="tx1"/>
+                </a:solidFill>
+                <a:effectLst/>
+                <a:uLnTx/>
+                <a:uFillTx/>
+                <a:latin typeface="+mn-lt"/>
+                <a:ea typeface="+mn-ea"/>
+                <a:cs typeface="+mn-cs"/>
+              </a:rPr>
+              <a:t> </a:t>
+            </a:r>
+            <a:r>
+              <a:rPr kumimoji="0" lang="en-US" altLang="zh-TW" sz="3200" b="0" i="0" u="none" strike="noStrike" kern="1200" cap="none" spc="0" normalizeH="0" baseline="0" noProof="0" dirty="0" err="1" smtClean="0">
+                <a:ln>
+                  <a:noFill/>
+                </a:ln>
+                <a:solidFill>
+                  <a:schemeClr val="tx1"/>
+                </a:solidFill>
+                <a:effectLst/>
+                <a:uLnTx/>
+                <a:uFillTx/>
+                <a:latin typeface="+mn-lt"/>
+                <a:ea typeface="+mn-ea"/>
+                <a:cs typeface="+mn-cs"/>
+              </a:rPr>
               <a:t>nǐ</a:t>
             </a:r>
-            <a:endParaRPr kumimoji="0" lang="zh-TW" altLang="en-US" sz="3600" b="1" i="0" u="none" strike="noStrike" kern="1200" cap="none" spc="0" normalizeH="0" baseline="0" noProof="0" dirty="0" smtClean="0">
+            <a:endParaRPr kumimoji="0" lang="zh-TW" altLang="en-US" sz="3200" b="1" i="0" u="none" strike="noStrike" kern="1200" cap="none" spc="0" normalizeH="0" baseline="0" noProof="0" dirty="0" smtClean="0">
               <a:ln>
                 <a:noFill/>
               </a:ln>
@@ -4623,7 +4665,7 @@
     </p:spTree>
     <p:extLst>
       <p:ext uri="{BB962C8B-B14F-4D97-AF65-F5344CB8AC3E}">
-        <p14:creationId xmlns:p14="http://schemas.microsoft.com/office/powerpoint/2010/main" xmlns="" val="1266398235"/>
+        <p14:creationId xmlns="" xmlns:p14="http://schemas.microsoft.com/office/powerpoint/2010/main" val="1266398235"/>
       </p:ext>
     </p:extLst>
   </p:cSld>
@@ -4669,7 +4711,7 @@
           <a:blip r:embed="rId2">
             <a:extLst>
               <a:ext uri="{28A0092B-C50C-407E-A947-70E740481C1C}">
-                <a14:useLocalDpi xmlns:a14="http://schemas.microsoft.com/office/drawing/2010/main" xmlns="" val="0"/>
+                <a14:useLocalDpi xmlns="" xmlns:a14="http://schemas.microsoft.com/office/drawing/2010/main" val="0"/>
               </a:ext>
             </a:extLst>
           </a:blip>
@@ -4681,7 +4723,7 @@
         <p:spPr bwMode="auto">
           <a:xfrm>
             <a:off x="-1" y="0"/>
-            <a:ext cx="9144001" cy="6858000"/>
+            <a:ext cx="9144001" cy="5143500"/>
           </a:xfrm>
           <a:prstGeom prst="rect">
             <a:avLst/>
@@ -4689,7 +4731,7 @@
           <a:noFill/>
           <a:extLst>
             <a:ext uri="{909E8E84-426E-40DD-AFC4-6F175D3DCCD1}">
-              <a14:hiddenFill xmlns:a14="http://schemas.microsoft.com/office/drawing/2010/main" xmlns="">
+              <a14:hiddenFill xmlns="" xmlns:a14="http://schemas.microsoft.com/office/drawing/2010/main">
                 <a:solidFill>
                   <a:srgbClr val="FFFFFF"/>
                 </a:solidFill>
@@ -4710,13 +4752,13 @@
         </p:nvSpPr>
         <p:spPr>
           <a:xfrm>
-            <a:off x="395536" y="980728"/>
-            <a:ext cx="8435281" cy="4104456"/>
+            <a:off x="395536" y="735546"/>
+            <a:ext cx="8435281" cy="3078342"/>
           </a:xfrm>
         </p:spPr>
         <p:txBody>
           <a:bodyPr>
-            <a:normAutofit/>
+            <a:normAutofit fontScale="85000" lnSpcReduction="20000"/>
           </a:bodyPr>
           <a:lstStyle/>
           <a:p>
@@ -4931,7 +4973,7 @@
     </p:spTree>
     <p:extLst>
       <p:ext uri="{BB962C8B-B14F-4D97-AF65-F5344CB8AC3E}">
-        <p14:creationId xmlns:p14="http://schemas.microsoft.com/office/powerpoint/2010/main" xmlns="" val="403156016"/>
+        <p14:creationId xmlns="" xmlns:p14="http://schemas.microsoft.com/office/powerpoint/2010/main" val="403156016"/>
       </p:ext>
     </p:extLst>
   </p:cSld>
@@ -4977,7 +5019,7 @@
           <a:blip r:embed="rId2">
             <a:extLst>
               <a:ext uri="{28A0092B-C50C-407E-A947-70E740481C1C}">
-                <a14:useLocalDpi xmlns:a14="http://schemas.microsoft.com/office/drawing/2010/main" xmlns="" val="0"/>
+                <a14:useLocalDpi xmlns="" xmlns:a14="http://schemas.microsoft.com/office/drawing/2010/main" val="0"/>
               </a:ext>
             </a:extLst>
           </a:blip>
@@ -4987,7 +5029,7 @@
         <p:spPr>
           <a:xfrm>
             <a:off x="5109" y="0"/>
-            <a:ext cx="9138891" cy="6885384"/>
+            <a:ext cx="9138891" cy="5164038"/>
           </a:xfrm>
           <a:prstGeom prst="rect">
             <a:avLst/>
@@ -5006,8 +5048,8 @@
         </p:nvSpPr>
         <p:spPr>
           <a:xfrm>
-            <a:off x="1214414" y="1434525"/>
-            <a:ext cx="6099020" cy="3637549"/>
+            <a:off x="1214414" y="1075894"/>
+            <a:ext cx="6099020" cy="2728162"/>
           </a:xfrm>
         </p:spPr>
         <p:txBody>
@@ -5499,7 +5541,7 @@
     </p:spTree>
     <p:extLst>
       <p:ext uri="{BB962C8B-B14F-4D97-AF65-F5344CB8AC3E}">
-        <p14:creationId xmlns:p14="http://schemas.microsoft.com/office/powerpoint/2010/main" xmlns="" val="1683306426"/>
+        <p14:creationId xmlns="" xmlns:p14="http://schemas.microsoft.com/office/powerpoint/2010/main" val="1683306426"/>
       </p:ext>
     </p:extLst>
   </p:cSld>
@@ -5545,7 +5587,7 @@
           <a:blip r:embed="rId2">
             <a:extLst>
               <a:ext uri="{28A0092B-C50C-407E-A947-70E740481C1C}">
-                <a14:useLocalDpi xmlns:a14="http://schemas.microsoft.com/office/drawing/2010/main" xmlns="" val="0"/>
+                <a14:useLocalDpi xmlns="" xmlns:a14="http://schemas.microsoft.com/office/drawing/2010/main" val="0"/>
               </a:ext>
             </a:extLst>
           </a:blip>
@@ -5555,7 +5597,7 @@
         <p:spPr>
           <a:xfrm>
             <a:off x="0" y="0"/>
-            <a:ext cx="9144000" cy="6858000"/>
+            <a:ext cx="9144000" cy="5143500"/>
           </a:xfrm>
           <a:prstGeom prst="rect">
             <a:avLst/>
@@ -5574,8 +5616,8 @@
         </p:nvSpPr>
         <p:spPr>
           <a:xfrm>
-            <a:off x="2113384" y="1556792"/>
-            <a:ext cx="7211144" cy="4709119"/>
+            <a:off x="2113384" y="1167594"/>
+            <a:ext cx="7211144" cy="3531839"/>
           </a:xfrm>
         </p:spPr>
         <p:txBody>
@@ -5944,7 +5986,7 @@
     </p:spTree>
     <p:extLst>
       <p:ext uri="{BB962C8B-B14F-4D97-AF65-F5344CB8AC3E}">
-        <p14:creationId xmlns:p14="http://schemas.microsoft.com/office/powerpoint/2010/main" xmlns="" val="2552449340"/>
+        <p14:creationId xmlns="" xmlns:p14="http://schemas.microsoft.com/office/powerpoint/2010/main" val="2552449340"/>
       </p:ext>
     </p:extLst>
   </p:cSld>
@@ -5990,7 +6032,7 @@
           <a:blip r:embed="rId2">
             <a:extLst>
               <a:ext uri="{28A0092B-C50C-407E-A947-70E740481C1C}">
-                <a14:useLocalDpi xmlns:a14="http://schemas.microsoft.com/office/drawing/2010/main" xmlns="" val="0"/>
+                <a14:useLocalDpi xmlns="" xmlns:a14="http://schemas.microsoft.com/office/drawing/2010/main" val="0"/>
               </a:ext>
             </a:extLst>
           </a:blip>
@@ -6001,8 +6043,8 @@
         </p:blipFill>
         <p:spPr bwMode="auto">
           <a:xfrm>
-            <a:off x="-1" y="144571"/>
-            <a:ext cx="9144001" cy="6524789"/>
+            <a:off x="-1" y="108428"/>
+            <a:ext cx="9144001" cy="4893592"/>
           </a:xfrm>
           <a:prstGeom prst="rect">
             <a:avLst/>
@@ -6010,7 +6052,7 @@
           <a:noFill/>
           <a:extLst>
             <a:ext uri="{909E8E84-426E-40DD-AFC4-6F175D3DCCD1}">
-              <a14:hiddenFill xmlns:a14="http://schemas.microsoft.com/office/drawing/2010/main" xmlns="">
+              <a14:hiddenFill xmlns="" xmlns:a14="http://schemas.microsoft.com/office/drawing/2010/main">
                 <a:solidFill>
                   <a:srgbClr val="FFFFFF"/>
                 </a:solidFill>
@@ -6031,8 +6073,8 @@
         </p:nvSpPr>
         <p:spPr>
           <a:xfrm>
-            <a:off x="2051720" y="1916832"/>
-            <a:ext cx="3888432" cy="4104456"/>
+            <a:off x="2051720" y="1437624"/>
+            <a:ext cx="3888432" cy="3078342"/>
           </a:xfrm>
         </p:spPr>
         <p:txBody>
@@ -6305,7 +6347,7 @@
     </p:spTree>
     <p:extLst>
       <p:ext uri="{BB962C8B-B14F-4D97-AF65-F5344CB8AC3E}">
-        <p14:creationId xmlns:p14="http://schemas.microsoft.com/office/powerpoint/2010/main" xmlns="" val="1228875838"/>
+        <p14:creationId xmlns="" xmlns:p14="http://schemas.microsoft.com/office/powerpoint/2010/main" val="1228875838"/>
       </p:ext>
     </p:extLst>
   </p:cSld>
